--- a/imagenes/Invtitation.pptx
+++ b/imagenes/Invtitation.pptx
@@ -255,7 +255,7 @@
           <a:p>
             <a:fld id="{662D30CF-6288-487A-96F5-CD6A5C538736}" type="datetimeFigureOut">
               <a:rPr lang="en-AU" smtClean="0"/>
-              <a:t>5/09/2019</a:t>
+              <a:t>12/09/2019</a:t>
             </a:fld>
             <a:endParaRPr lang="en-AU"/>
           </a:p>
@@ -425,7 +425,7 @@
           <a:p>
             <a:fld id="{662D30CF-6288-487A-96F5-CD6A5C538736}" type="datetimeFigureOut">
               <a:rPr lang="en-AU" smtClean="0"/>
-              <a:t>5/09/2019</a:t>
+              <a:t>12/09/2019</a:t>
             </a:fld>
             <a:endParaRPr lang="en-AU"/>
           </a:p>
@@ -605,7 +605,7 @@
           <a:p>
             <a:fld id="{662D30CF-6288-487A-96F5-CD6A5C538736}" type="datetimeFigureOut">
               <a:rPr lang="en-AU" smtClean="0"/>
-              <a:t>5/09/2019</a:t>
+              <a:t>12/09/2019</a:t>
             </a:fld>
             <a:endParaRPr lang="en-AU"/>
           </a:p>
@@ -775,7 +775,7 @@
           <a:p>
             <a:fld id="{662D30CF-6288-487A-96F5-CD6A5C538736}" type="datetimeFigureOut">
               <a:rPr lang="en-AU" smtClean="0"/>
-              <a:t>5/09/2019</a:t>
+              <a:t>12/09/2019</a:t>
             </a:fld>
             <a:endParaRPr lang="en-AU"/>
           </a:p>
@@ -1021,7 +1021,7 @@
           <a:p>
             <a:fld id="{662D30CF-6288-487A-96F5-CD6A5C538736}" type="datetimeFigureOut">
               <a:rPr lang="en-AU" smtClean="0"/>
-              <a:t>5/09/2019</a:t>
+              <a:t>12/09/2019</a:t>
             </a:fld>
             <a:endParaRPr lang="en-AU"/>
           </a:p>
@@ -1253,7 +1253,7 @@
           <a:p>
             <a:fld id="{662D30CF-6288-487A-96F5-CD6A5C538736}" type="datetimeFigureOut">
               <a:rPr lang="en-AU" smtClean="0"/>
-              <a:t>5/09/2019</a:t>
+              <a:t>12/09/2019</a:t>
             </a:fld>
             <a:endParaRPr lang="en-AU"/>
           </a:p>
@@ -1620,7 +1620,7 @@
           <a:p>
             <a:fld id="{662D30CF-6288-487A-96F5-CD6A5C538736}" type="datetimeFigureOut">
               <a:rPr lang="en-AU" smtClean="0"/>
-              <a:t>5/09/2019</a:t>
+              <a:t>12/09/2019</a:t>
             </a:fld>
             <a:endParaRPr lang="en-AU"/>
           </a:p>
@@ -1738,7 +1738,7 @@
           <a:p>
             <a:fld id="{662D30CF-6288-487A-96F5-CD6A5C538736}" type="datetimeFigureOut">
               <a:rPr lang="en-AU" smtClean="0"/>
-              <a:t>5/09/2019</a:t>
+              <a:t>12/09/2019</a:t>
             </a:fld>
             <a:endParaRPr lang="en-AU"/>
           </a:p>
@@ -1833,7 +1833,7 @@
           <a:p>
             <a:fld id="{662D30CF-6288-487A-96F5-CD6A5C538736}" type="datetimeFigureOut">
               <a:rPr lang="en-AU" smtClean="0"/>
-              <a:t>5/09/2019</a:t>
+              <a:t>12/09/2019</a:t>
             </a:fld>
             <a:endParaRPr lang="en-AU"/>
           </a:p>
@@ -2110,7 +2110,7 @@
           <a:p>
             <a:fld id="{662D30CF-6288-487A-96F5-CD6A5C538736}" type="datetimeFigureOut">
               <a:rPr lang="en-AU" smtClean="0"/>
-              <a:t>5/09/2019</a:t>
+              <a:t>12/09/2019</a:t>
             </a:fld>
             <a:endParaRPr lang="en-AU"/>
           </a:p>
@@ -2363,7 +2363,7 @@
           <a:p>
             <a:fld id="{662D30CF-6288-487A-96F5-CD6A5C538736}" type="datetimeFigureOut">
               <a:rPr lang="en-AU" smtClean="0"/>
-              <a:t>5/09/2019</a:t>
+              <a:t>12/09/2019</a:t>
             </a:fld>
             <a:endParaRPr lang="en-AU"/>
           </a:p>
@@ -2576,7 +2576,7 @@
           <a:p>
             <a:fld id="{662D30CF-6288-487A-96F5-CD6A5C538736}" type="datetimeFigureOut">
               <a:rPr lang="en-AU" smtClean="0"/>
-              <a:t>5/09/2019</a:t>
+              <a:t>12/09/2019</a:t>
             </a:fld>
             <a:endParaRPr lang="en-AU"/>
           </a:p>
@@ -3340,8 +3340,8 @@
         </p:nvSpPr>
         <p:spPr>
           <a:xfrm>
-            <a:off x="430927" y="177145"/>
-            <a:ext cx="5150065" cy="1737219"/>
+            <a:off x="430927" y="252250"/>
+            <a:ext cx="5150065" cy="1840792"/>
           </a:xfrm>
           <a:prstGeom prst="wedgeEllipseCallout">
             <a:avLst>
@@ -3383,13 +3383,34 @@
                   <a:schemeClr val="tx1"/>
                 </a:solidFill>
               </a:rPr>
-              <a:t>Este semestre vamos a explorar los avances de R presentados en </a:t>
-            </a:r>
+              <a:t>En este </a:t>
+            </a:r>
+            <a:r>
+              <a:rPr lang="es-CO" sz="2400" dirty="0" smtClean="0">
+                <a:solidFill>
+                  <a:schemeClr val="tx1"/>
+                </a:solidFill>
+              </a:rPr>
+              <a:t>semestre vamos a explorar los avances de R presentados </a:t>
+            </a:r>
+            <a:r>
+              <a:rPr lang="es-CO" sz="2400" dirty="0" smtClean="0">
+                <a:solidFill>
+                  <a:schemeClr val="tx1"/>
+                </a:solidFill>
+              </a:rPr>
+              <a:t>en el evento </a:t>
+            </a:r>
+            <a:endParaRPr lang="es-CO" sz="2400" dirty="0" smtClean="0">
+              <a:solidFill>
+                <a:schemeClr val="tx1"/>
+              </a:solidFill>
+            </a:endParaRPr>
           </a:p>
           <a:p>
             <a:pPr algn="ctr"/>
             <a:r>
-              <a:rPr lang="es-CO" sz="2400" dirty="0" err="1" smtClean="0">
+              <a:rPr lang="es-CO" sz="2800" dirty="0" err="1" smtClean="0">
                 <a:solidFill>
                   <a:schemeClr val="accent1">
                     <a:lumMod val="75000"/>
@@ -3399,26 +3420,16 @@
               <a:t>useR</a:t>
             </a:r>
             <a:r>
-              <a:rPr lang="es-CO" sz="2400" dirty="0" smtClean="0">
+              <a:rPr lang="es-CO" sz="2800" dirty="0" smtClean="0">
                 <a:solidFill>
                   <a:schemeClr val="accent1">
                     <a:lumMod val="75000"/>
                   </a:schemeClr>
                 </a:solidFill>
               </a:rPr>
-              <a:t>! </a:t>
-            </a:r>
-            <a:r>
-              <a:rPr lang="es-CO" sz="2400" dirty="0" smtClean="0">
-                <a:solidFill>
-                  <a:schemeClr val="accent1">
-                    <a:lumMod val="75000"/>
-                  </a:schemeClr>
-                </a:solidFill>
-              </a:rPr>
-              <a:t>2019</a:t>
-            </a:r>
-            <a:endParaRPr lang="en-AU" sz="2400" dirty="0">
+              <a:t>! 2019</a:t>
+            </a:r>
+            <a:endParaRPr lang="en-AU" sz="2800" dirty="0">
               <a:solidFill>
                 <a:schemeClr val="accent1">
                   <a:lumMod val="75000"/>

--- a/imagenes/Invtitation.pptx
+++ b/imagenes/Invtitation.pptx
@@ -7,9 +7,10 @@
   <p:sldIdLst>
     <p:sldId id="256" r:id="rId2"/>
     <p:sldId id="257" r:id="rId3"/>
+    <p:sldId id="258" r:id="rId4"/>
   </p:sldIdLst>
   <p:sldSz cx="12192000" cy="6858000"/>
-  <p:notesSz cx="6858000" cy="9144000"/>
+  <p:notesSz cx="9144000" cy="6858000"/>
   <p:defaultTextStyle>
     <a:defPPr>
       <a:defRPr lang="en-US"/>
@@ -166,7 +167,7 @@
           </a:lstStyle>
           <a:p>
             <a:r>
-              <a:rPr lang="es-ES" smtClean="0"/>
+              <a:rPr lang="es-ES"/>
               <a:t>Haga clic para modificar el estilo de título del patrón</a:t>
             </a:r>
             <a:endParaRPr lang="en-AU"/>
@@ -196,42 +197,42 @@
               <a:buNone/>
               <a:defRPr sz="2400"/>
             </a:lvl1pPr>
-            <a:lvl2pPr marL="457200" indent="0" algn="ctr">
+            <a:lvl2pPr marL="457211" indent="0" algn="ctr">
               <a:buNone/>
               <a:defRPr sz="2000"/>
             </a:lvl2pPr>
-            <a:lvl3pPr marL="914400" indent="0" algn="ctr">
-              <a:buNone/>
-              <a:defRPr sz="1800"/>
+            <a:lvl3pPr marL="914422" indent="0" algn="ctr">
+              <a:buNone/>
+              <a:defRPr sz="1801"/>
             </a:lvl3pPr>
-            <a:lvl4pPr marL="1371600" indent="0" algn="ctr">
+            <a:lvl4pPr marL="1371635" indent="0" algn="ctr">
               <a:buNone/>
               <a:defRPr sz="1600"/>
             </a:lvl4pPr>
-            <a:lvl5pPr marL="1828800" indent="0" algn="ctr">
+            <a:lvl5pPr marL="1828846" indent="0" algn="ctr">
               <a:buNone/>
               <a:defRPr sz="1600"/>
             </a:lvl5pPr>
-            <a:lvl6pPr marL="2286000" indent="0" algn="ctr">
+            <a:lvl6pPr marL="2286057" indent="0" algn="ctr">
               <a:buNone/>
               <a:defRPr sz="1600"/>
             </a:lvl6pPr>
-            <a:lvl7pPr marL="2743200" indent="0" algn="ctr">
+            <a:lvl7pPr marL="2743268" indent="0" algn="ctr">
               <a:buNone/>
               <a:defRPr sz="1600"/>
             </a:lvl7pPr>
-            <a:lvl8pPr marL="3200400" indent="0" algn="ctr">
+            <a:lvl8pPr marL="3200481" indent="0" algn="ctr">
               <a:buNone/>
               <a:defRPr sz="1600"/>
             </a:lvl8pPr>
-            <a:lvl9pPr marL="3657600" indent="0" algn="ctr">
+            <a:lvl9pPr marL="3657692" indent="0" algn="ctr">
               <a:buNone/>
               <a:defRPr sz="1600"/>
             </a:lvl9pPr>
           </a:lstStyle>
           <a:p>
             <a:r>
-              <a:rPr lang="es-ES" smtClean="0"/>
+              <a:rPr lang="es-ES"/>
               <a:t>Haga clic para editar el estilo de subtítulo del patrón</a:t>
             </a:r>
             <a:endParaRPr lang="en-AU"/>
@@ -255,7 +256,7 @@
           <a:p>
             <a:fld id="{662D30CF-6288-487A-96F5-CD6A5C538736}" type="datetimeFigureOut">
               <a:rPr lang="en-AU" smtClean="0"/>
-              <a:t>12/09/2019</a:t>
+              <a:t>4/03/2022</a:t>
             </a:fld>
             <a:endParaRPr lang="en-AU"/>
           </a:p>
@@ -297,7 +298,7 @@
           <a:p>
             <a:fld id="{1BD05863-538A-4B89-9DAC-B5F32471F2B0}" type="slidenum">
               <a:rPr lang="en-AU" smtClean="0"/>
-              <a:t>‹Nº›</a:t>
+              <a:t>‹#›</a:t>
             </a:fld>
             <a:endParaRPr lang="en-AU"/>
           </a:p>
@@ -349,7 +350,7 @@
           <a:lstStyle/>
           <a:p>
             <a:r>
-              <a:rPr lang="es-ES" smtClean="0"/>
+              <a:rPr lang="es-ES"/>
               <a:t>Haga clic para modificar el estilo de título del patrón</a:t>
             </a:r>
             <a:endParaRPr lang="en-AU"/>
@@ -373,35 +374,35 @@
           <a:p>
             <a:pPr lvl="0"/>
             <a:r>
-              <a:rPr lang="es-ES" smtClean="0"/>
+              <a:rPr lang="es-ES"/>
               <a:t>Editar el estilo de texto del patrón</a:t>
             </a:r>
           </a:p>
           <a:p>
             <a:pPr lvl="1"/>
             <a:r>
-              <a:rPr lang="es-ES" smtClean="0"/>
+              <a:rPr lang="es-ES"/>
               <a:t>Segundo nivel</a:t>
             </a:r>
           </a:p>
           <a:p>
             <a:pPr lvl="2"/>
             <a:r>
-              <a:rPr lang="es-ES" smtClean="0"/>
+              <a:rPr lang="es-ES"/>
               <a:t>Tercer nivel</a:t>
             </a:r>
           </a:p>
           <a:p>
             <a:pPr lvl="3"/>
             <a:r>
-              <a:rPr lang="es-ES" smtClean="0"/>
+              <a:rPr lang="es-ES"/>
               <a:t>Cuarto nivel</a:t>
             </a:r>
           </a:p>
           <a:p>
             <a:pPr lvl="4"/>
             <a:r>
-              <a:rPr lang="es-ES" smtClean="0"/>
+              <a:rPr lang="es-ES"/>
               <a:t>Quinto nivel</a:t>
             </a:r>
             <a:endParaRPr lang="en-AU"/>
@@ -425,7 +426,7 @@
           <a:p>
             <a:fld id="{662D30CF-6288-487A-96F5-CD6A5C538736}" type="datetimeFigureOut">
               <a:rPr lang="en-AU" smtClean="0"/>
-              <a:t>12/09/2019</a:t>
+              <a:t>4/03/2022</a:t>
             </a:fld>
             <a:endParaRPr lang="en-AU"/>
           </a:p>
@@ -467,7 +468,7 @@
           <a:p>
             <a:fld id="{1BD05863-538A-4B89-9DAC-B5F32471F2B0}" type="slidenum">
               <a:rPr lang="en-AU" smtClean="0"/>
-              <a:t>‹Nº›</a:t>
+              <a:t>‹#›</a:t>
             </a:fld>
             <a:endParaRPr lang="en-AU"/>
           </a:p>
@@ -515,7 +516,7 @@
         </p:nvSpPr>
         <p:spPr>
           <a:xfrm>
-            <a:off x="8724900" y="365125"/>
+            <a:off x="8724899" y="365125"/>
             <a:ext cx="2628900" cy="5811838"/>
           </a:xfrm>
         </p:spPr>
@@ -524,7 +525,7 @@
           <a:lstStyle/>
           <a:p>
             <a:r>
-              <a:rPr lang="es-ES" smtClean="0"/>
+              <a:rPr lang="es-ES"/>
               <a:t>Haga clic para modificar el estilo de título del patrón</a:t>
             </a:r>
             <a:endParaRPr lang="en-AU"/>
@@ -543,7 +544,7 @@
         </p:nvSpPr>
         <p:spPr>
           <a:xfrm>
-            <a:off x="838200" y="365125"/>
+            <a:off x="838199" y="365125"/>
             <a:ext cx="7734300" cy="5811838"/>
           </a:xfrm>
         </p:spPr>
@@ -553,35 +554,35 @@
           <a:p>
             <a:pPr lvl="0"/>
             <a:r>
-              <a:rPr lang="es-ES" smtClean="0"/>
+              <a:rPr lang="es-ES"/>
               <a:t>Editar el estilo de texto del patrón</a:t>
             </a:r>
           </a:p>
           <a:p>
             <a:pPr lvl="1"/>
             <a:r>
-              <a:rPr lang="es-ES" smtClean="0"/>
+              <a:rPr lang="es-ES"/>
               <a:t>Segundo nivel</a:t>
             </a:r>
           </a:p>
           <a:p>
             <a:pPr lvl="2"/>
             <a:r>
-              <a:rPr lang="es-ES" smtClean="0"/>
+              <a:rPr lang="es-ES"/>
               <a:t>Tercer nivel</a:t>
             </a:r>
           </a:p>
           <a:p>
             <a:pPr lvl="3"/>
             <a:r>
-              <a:rPr lang="es-ES" smtClean="0"/>
+              <a:rPr lang="es-ES"/>
               <a:t>Cuarto nivel</a:t>
             </a:r>
           </a:p>
           <a:p>
             <a:pPr lvl="4"/>
             <a:r>
-              <a:rPr lang="es-ES" smtClean="0"/>
+              <a:rPr lang="es-ES"/>
               <a:t>Quinto nivel</a:t>
             </a:r>
             <a:endParaRPr lang="en-AU"/>
@@ -605,7 +606,7 @@
           <a:p>
             <a:fld id="{662D30CF-6288-487A-96F5-CD6A5C538736}" type="datetimeFigureOut">
               <a:rPr lang="en-AU" smtClean="0"/>
-              <a:t>12/09/2019</a:t>
+              <a:t>4/03/2022</a:t>
             </a:fld>
             <a:endParaRPr lang="en-AU"/>
           </a:p>
@@ -647,7 +648,7 @@
           <a:p>
             <a:fld id="{1BD05863-538A-4B89-9DAC-B5F32471F2B0}" type="slidenum">
               <a:rPr lang="en-AU" smtClean="0"/>
-              <a:t>‹Nº›</a:t>
+              <a:t>‹#›</a:t>
             </a:fld>
             <a:endParaRPr lang="en-AU"/>
           </a:p>
@@ -699,7 +700,7 @@
           <a:lstStyle/>
           <a:p>
             <a:r>
-              <a:rPr lang="es-ES" smtClean="0"/>
+              <a:rPr lang="es-ES"/>
               <a:t>Haga clic para modificar el estilo de título del patrón</a:t>
             </a:r>
             <a:endParaRPr lang="en-AU"/>
@@ -723,35 +724,35 @@
           <a:p>
             <a:pPr lvl="0"/>
             <a:r>
-              <a:rPr lang="es-ES" smtClean="0"/>
+              <a:rPr lang="es-ES"/>
               <a:t>Editar el estilo de texto del patrón</a:t>
             </a:r>
           </a:p>
           <a:p>
             <a:pPr lvl="1"/>
             <a:r>
-              <a:rPr lang="es-ES" smtClean="0"/>
+              <a:rPr lang="es-ES"/>
               <a:t>Segundo nivel</a:t>
             </a:r>
           </a:p>
           <a:p>
             <a:pPr lvl="2"/>
             <a:r>
-              <a:rPr lang="es-ES" smtClean="0"/>
+              <a:rPr lang="es-ES"/>
               <a:t>Tercer nivel</a:t>
             </a:r>
           </a:p>
           <a:p>
             <a:pPr lvl="3"/>
             <a:r>
-              <a:rPr lang="es-ES" smtClean="0"/>
+              <a:rPr lang="es-ES"/>
               <a:t>Cuarto nivel</a:t>
             </a:r>
           </a:p>
           <a:p>
             <a:pPr lvl="4"/>
             <a:r>
-              <a:rPr lang="es-ES" smtClean="0"/>
+              <a:rPr lang="es-ES"/>
               <a:t>Quinto nivel</a:t>
             </a:r>
             <a:endParaRPr lang="en-AU"/>
@@ -775,7 +776,7 @@
           <a:p>
             <a:fld id="{662D30CF-6288-487A-96F5-CD6A5C538736}" type="datetimeFigureOut">
               <a:rPr lang="en-AU" smtClean="0"/>
-              <a:t>12/09/2019</a:t>
+              <a:t>4/03/2022</a:t>
             </a:fld>
             <a:endParaRPr lang="en-AU"/>
           </a:p>
@@ -817,7 +818,7 @@
           <a:p>
             <a:fld id="{1BD05863-538A-4B89-9DAC-B5F32471F2B0}" type="slidenum">
               <a:rPr lang="en-AU" smtClean="0"/>
-              <a:t>‹Nº›</a:t>
+              <a:t>‹#›</a:t>
             </a:fld>
             <a:endParaRPr lang="en-AU"/>
           </a:p>
@@ -865,7 +866,7 @@
         </p:nvSpPr>
         <p:spPr>
           <a:xfrm>
-            <a:off x="831850" y="1709738"/>
+            <a:off x="831853" y="1709738"/>
             <a:ext cx="10515600" cy="2852737"/>
           </a:xfrm>
         </p:spPr>
@@ -878,7 +879,7 @@
           </a:lstStyle>
           <a:p>
             <a:r>
-              <a:rPr lang="es-ES" smtClean="0"/>
+              <a:rPr lang="es-ES"/>
               <a:t>Haga clic para modificar el estilo de título del patrón</a:t>
             </a:r>
             <a:endParaRPr lang="en-AU"/>
@@ -897,7 +898,7 @@
         </p:nvSpPr>
         <p:spPr>
           <a:xfrm>
-            <a:off x="831850" y="4589463"/>
+            <a:off x="831853" y="4589465"/>
             <a:ext cx="10515600" cy="1500187"/>
           </a:xfrm>
         </p:spPr>
@@ -914,7 +915,7 @@
                 </a:solidFill>
               </a:defRPr>
             </a:lvl1pPr>
-            <a:lvl2pPr marL="457200" indent="0">
+            <a:lvl2pPr marL="457211" indent="0">
               <a:buNone/>
               <a:defRPr sz="2000">
                 <a:solidFill>
@@ -924,9 +925,9 @@
                 </a:solidFill>
               </a:defRPr>
             </a:lvl2pPr>
-            <a:lvl3pPr marL="914400" indent="0">
-              <a:buNone/>
-              <a:defRPr sz="1800">
+            <a:lvl3pPr marL="914422" indent="0">
+              <a:buNone/>
+              <a:defRPr sz="1801">
                 <a:solidFill>
                   <a:schemeClr val="tx1">
                     <a:tint val="75000"/>
@@ -934,7 +935,7 @@
                 </a:solidFill>
               </a:defRPr>
             </a:lvl3pPr>
-            <a:lvl4pPr marL="1371600" indent="0">
+            <a:lvl4pPr marL="1371635" indent="0">
               <a:buNone/>
               <a:defRPr sz="1600">
                 <a:solidFill>
@@ -944,7 +945,7 @@
                 </a:solidFill>
               </a:defRPr>
             </a:lvl4pPr>
-            <a:lvl5pPr marL="1828800" indent="0">
+            <a:lvl5pPr marL="1828846" indent="0">
               <a:buNone/>
               <a:defRPr sz="1600">
                 <a:solidFill>
@@ -954,7 +955,7 @@
                 </a:solidFill>
               </a:defRPr>
             </a:lvl5pPr>
-            <a:lvl6pPr marL="2286000" indent="0">
+            <a:lvl6pPr marL="2286057" indent="0">
               <a:buNone/>
               <a:defRPr sz="1600">
                 <a:solidFill>
@@ -964,7 +965,7 @@
                 </a:solidFill>
               </a:defRPr>
             </a:lvl6pPr>
-            <a:lvl7pPr marL="2743200" indent="0">
+            <a:lvl7pPr marL="2743268" indent="0">
               <a:buNone/>
               <a:defRPr sz="1600">
                 <a:solidFill>
@@ -974,7 +975,7 @@
                 </a:solidFill>
               </a:defRPr>
             </a:lvl7pPr>
-            <a:lvl8pPr marL="3200400" indent="0">
+            <a:lvl8pPr marL="3200481" indent="0">
               <a:buNone/>
               <a:defRPr sz="1600">
                 <a:solidFill>
@@ -984,7 +985,7 @@
                 </a:solidFill>
               </a:defRPr>
             </a:lvl8pPr>
-            <a:lvl9pPr marL="3657600" indent="0">
+            <a:lvl9pPr marL="3657692" indent="0">
               <a:buNone/>
               <a:defRPr sz="1600">
                 <a:solidFill>
@@ -998,7 +999,7 @@
           <a:p>
             <a:pPr lvl="0"/>
             <a:r>
-              <a:rPr lang="es-ES" smtClean="0"/>
+              <a:rPr lang="es-ES"/>
               <a:t>Editar el estilo de texto del patrón</a:t>
             </a:r>
           </a:p>
@@ -1021,7 +1022,7 @@
           <a:p>
             <a:fld id="{662D30CF-6288-487A-96F5-CD6A5C538736}" type="datetimeFigureOut">
               <a:rPr lang="en-AU" smtClean="0"/>
-              <a:t>12/09/2019</a:t>
+              <a:t>4/03/2022</a:t>
             </a:fld>
             <a:endParaRPr lang="en-AU"/>
           </a:p>
@@ -1063,7 +1064,7 @@
           <a:p>
             <a:fld id="{1BD05863-538A-4B89-9DAC-B5F32471F2B0}" type="slidenum">
               <a:rPr lang="en-AU" smtClean="0"/>
-              <a:t>‹Nº›</a:t>
+              <a:t>‹#›</a:t>
             </a:fld>
             <a:endParaRPr lang="en-AU"/>
           </a:p>
@@ -1115,7 +1116,7 @@
           <a:lstStyle/>
           <a:p>
             <a:r>
-              <a:rPr lang="es-ES" smtClean="0"/>
+              <a:rPr lang="es-ES"/>
               <a:t>Haga clic para modificar el estilo de título del patrón</a:t>
             </a:r>
             <a:endParaRPr lang="en-AU"/>
@@ -1134,7 +1135,7 @@
         </p:nvSpPr>
         <p:spPr>
           <a:xfrm>
-            <a:off x="838200" y="1825625"/>
+            <a:off x="838201" y="1825625"/>
             <a:ext cx="5181600" cy="4351338"/>
           </a:xfrm>
         </p:spPr>
@@ -1144,35 +1145,35 @@
           <a:p>
             <a:pPr lvl="0"/>
             <a:r>
-              <a:rPr lang="es-ES" smtClean="0"/>
+              <a:rPr lang="es-ES"/>
               <a:t>Editar el estilo de texto del patrón</a:t>
             </a:r>
           </a:p>
           <a:p>
             <a:pPr lvl="1"/>
             <a:r>
-              <a:rPr lang="es-ES" smtClean="0"/>
+              <a:rPr lang="es-ES"/>
               <a:t>Segundo nivel</a:t>
             </a:r>
           </a:p>
           <a:p>
             <a:pPr lvl="2"/>
             <a:r>
-              <a:rPr lang="es-ES" smtClean="0"/>
+              <a:rPr lang="es-ES"/>
               <a:t>Tercer nivel</a:t>
             </a:r>
           </a:p>
           <a:p>
             <a:pPr lvl="3"/>
             <a:r>
-              <a:rPr lang="es-ES" smtClean="0"/>
+              <a:rPr lang="es-ES"/>
               <a:t>Cuarto nivel</a:t>
             </a:r>
           </a:p>
           <a:p>
             <a:pPr lvl="4"/>
             <a:r>
-              <a:rPr lang="es-ES" smtClean="0"/>
+              <a:rPr lang="es-ES"/>
               <a:t>Quinto nivel</a:t>
             </a:r>
             <a:endParaRPr lang="en-AU"/>
@@ -1191,7 +1192,7 @@
         </p:nvSpPr>
         <p:spPr>
           <a:xfrm>
-            <a:off x="6172200" y="1825625"/>
+            <a:off x="6172201" y="1825625"/>
             <a:ext cx="5181600" cy="4351338"/>
           </a:xfrm>
         </p:spPr>
@@ -1201,35 +1202,35 @@
           <a:p>
             <a:pPr lvl="0"/>
             <a:r>
-              <a:rPr lang="es-ES" smtClean="0"/>
+              <a:rPr lang="es-ES"/>
               <a:t>Editar el estilo de texto del patrón</a:t>
             </a:r>
           </a:p>
           <a:p>
             <a:pPr lvl="1"/>
             <a:r>
-              <a:rPr lang="es-ES" smtClean="0"/>
+              <a:rPr lang="es-ES"/>
               <a:t>Segundo nivel</a:t>
             </a:r>
           </a:p>
           <a:p>
             <a:pPr lvl="2"/>
             <a:r>
-              <a:rPr lang="es-ES" smtClean="0"/>
+              <a:rPr lang="es-ES"/>
               <a:t>Tercer nivel</a:t>
             </a:r>
           </a:p>
           <a:p>
             <a:pPr lvl="3"/>
             <a:r>
-              <a:rPr lang="es-ES" smtClean="0"/>
+              <a:rPr lang="es-ES"/>
               <a:t>Cuarto nivel</a:t>
             </a:r>
           </a:p>
           <a:p>
             <a:pPr lvl="4"/>
             <a:r>
-              <a:rPr lang="es-ES" smtClean="0"/>
+              <a:rPr lang="es-ES"/>
               <a:t>Quinto nivel</a:t>
             </a:r>
             <a:endParaRPr lang="en-AU"/>
@@ -1253,7 +1254,7 @@
           <a:p>
             <a:fld id="{662D30CF-6288-487A-96F5-CD6A5C538736}" type="datetimeFigureOut">
               <a:rPr lang="en-AU" smtClean="0"/>
-              <a:t>12/09/2019</a:t>
+              <a:t>4/03/2022</a:t>
             </a:fld>
             <a:endParaRPr lang="en-AU"/>
           </a:p>
@@ -1295,7 +1296,7 @@
           <a:p>
             <a:fld id="{1BD05863-538A-4B89-9DAC-B5F32471F2B0}" type="slidenum">
               <a:rPr lang="en-AU" smtClean="0"/>
-              <a:t>‹Nº›</a:t>
+              <a:t>‹#›</a:t>
             </a:fld>
             <a:endParaRPr lang="en-AU"/>
           </a:p>
@@ -1343,7 +1344,7 @@
         </p:nvSpPr>
         <p:spPr>
           <a:xfrm>
-            <a:off x="839788" y="365125"/>
+            <a:off x="839789" y="365125"/>
             <a:ext cx="10515600" cy="1325563"/>
           </a:xfrm>
         </p:spPr>
@@ -1352,7 +1353,7 @@
           <a:lstStyle/>
           <a:p>
             <a:r>
-              <a:rPr lang="es-ES" smtClean="0"/>
+              <a:rPr lang="es-ES"/>
               <a:t>Haga clic para modificar el estilo de título del patrón</a:t>
             </a:r>
             <a:endParaRPr lang="en-AU"/>
@@ -1371,7 +1372,7 @@
         </p:nvSpPr>
         <p:spPr>
           <a:xfrm>
-            <a:off x="839788" y="1681163"/>
+            <a:off x="839791" y="1681163"/>
             <a:ext cx="5157787" cy="823912"/>
           </a:xfrm>
         </p:spPr>
@@ -1382,35 +1383,35 @@
               <a:buNone/>
               <a:defRPr sz="2400" b="1"/>
             </a:lvl1pPr>
-            <a:lvl2pPr marL="457200" indent="0">
+            <a:lvl2pPr marL="457211" indent="0">
               <a:buNone/>
               <a:defRPr sz="2000" b="1"/>
             </a:lvl2pPr>
-            <a:lvl3pPr marL="914400" indent="0">
-              <a:buNone/>
-              <a:defRPr sz="1800" b="1"/>
+            <a:lvl3pPr marL="914422" indent="0">
+              <a:buNone/>
+              <a:defRPr sz="1801" b="1"/>
             </a:lvl3pPr>
-            <a:lvl4pPr marL="1371600" indent="0">
+            <a:lvl4pPr marL="1371635" indent="0">
               <a:buNone/>
               <a:defRPr sz="1600" b="1"/>
             </a:lvl4pPr>
-            <a:lvl5pPr marL="1828800" indent="0">
+            <a:lvl5pPr marL="1828846" indent="0">
               <a:buNone/>
               <a:defRPr sz="1600" b="1"/>
             </a:lvl5pPr>
-            <a:lvl6pPr marL="2286000" indent="0">
+            <a:lvl6pPr marL="2286057" indent="0">
               <a:buNone/>
               <a:defRPr sz="1600" b="1"/>
             </a:lvl6pPr>
-            <a:lvl7pPr marL="2743200" indent="0">
+            <a:lvl7pPr marL="2743268" indent="0">
               <a:buNone/>
               <a:defRPr sz="1600" b="1"/>
             </a:lvl7pPr>
-            <a:lvl8pPr marL="3200400" indent="0">
+            <a:lvl8pPr marL="3200481" indent="0">
               <a:buNone/>
               <a:defRPr sz="1600" b="1"/>
             </a:lvl8pPr>
-            <a:lvl9pPr marL="3657600" indent="0">
+            <a:lvl9pPr marL="3657692" indent="0">
               <a:buNone/>
               <a:defRPr sz="1600" b="1"/>
             </a:lvl9pPr>
@@ -1418,7 +1419,7 @@
           <a:p>
             <a:pPr lvl="0"/>
             <a:r>
-              <a:rPr lang="es-ES" smtClean="0"/>
+              <a:rPr lang="es-ES"/>
               <a:t>Editar el estilo de texto del patrón</a:t>
             </a:r>
           </a:p>
@@ -1436,7 +1437,7 @@
         </p:nvSpPr>
         <p:spPr>
           <a:xfrm>
-            <a:off x="839788" y="2505075"/>
+            <a:off x="839791" y="2505076"/>
             <a:ext cx="5157787" cy="3684588"/>
           </a:xfrm>
         </p:spPr>
@@ -1446,35 +1447,35 @@
           <a:p>
             <a:pPr lvl="0"/>
             <a:r>
-              <a:rPr lang="es-ES" smtClean="0"/>
+              <a:rPr lang="es-ES"/>
               <a:t>Editar el estilo de texto del patrón</a:t>
             </a:r>
           </a:p>
           <a:p>
             <a:pPr lvl="1"/>
             <a:r>
-              <a:rPr lang="es-ES" smtClean="0"/>
+              <a:rPr lang="es-ES"/>
               <a:t>Segundo nivel</a:t>
             </a:r>
           </a:p>
           <a:p>
             <a:pPr lvl="2"/>
             <a:r>
-              <a:rPr lang="es-ES" smtClean="0"/>
+              <a:rPr lang="es-ES"/>
               <a:t>Tercer nivel</a:t>
             </a:r>
           </a:p>
           <a:p>
             <a:pPr lvl="3"/>
             <a:r>
-              <a:rPr lang="es-ES" smtClean="0"/>
+              <a:rPr lang="es-ES"/>
               <a:t>Cuarto nivel</a:t>
             </a:r>
           </a:p>
           <a:p>
             <a:pPr lvl="4"/>
             <a:r>
-              <a:rPr lang="es-ES" smtClean="0"/>
+              <a:rPr lang="es-ES"/>
               <a:t>Quinto nivel</a:t>
             </a:r>
             <a:endParaRPr lang="en-AU"/>
@@ -1493,7 +1494,7 @@
         </p:nvSpPr>
         <p:spPr>
           <a:xfrm>
-            <a:off x="6172200" y="1681163"/>
+            <a:off x="6172203" y="1681163"/>
             <a:ext cx="5183188" cy="823912"/>
           </a:xfrm>
         </p:spPr>
@@ -1504,35 +1505,35 @@
               <a:buNone/>
               <a:defRPr sz="2400" b="1"/>
             </a:lvl1pPr>
-            <a:lvl2pPr marL="457200" indent="0">
+            <a:lvl2pPr marL="457211" indent="0">
               <a:buNone/>
               <a:defRPr sz="2000" b="1"/>
             </a:lvl2pPr>
-            <a:lvl3pPr marL="914400" indent="0">
-              <a:buNone/>
-              <a:defRPr sz="1800" b="1"/>
+            <a:lvl3pPr marL="914422" indent="0">
+              <a:buNone/>
+              <a:defRPr sz="1801" b="1"/>
             </a:lvl3pPr>
-            <a:lvl4pPr marL="1371600" indent="0">
+            <a:lvl4pPr marL="1371635" indent="0">
               <a:buNone/>
               <a:defRPr sz="1600" b="1"/>
             </a:lvl4pPr>
-            <a:lvl5pPr marL="1828800" indent="0">
+            <a:lvl5pPr marL="1828846" indent="0">
               <a:buNone/>
               <a:defRPr sz="1600" b="1"/>
             </a:lvl5pPr>
-            <a:lvl6pPr marL="2286000" indent="0">
+            <a:lvl6pPr marL="2286057" indent="0">
               <a:buNone/>
               <a:defRPr sz="1600" b="1"/>
             </a:lvl6pPr>
-            <a:lvl7pPr marL="2743200" indent="0">
+            <a:lvl7pPr marL="2743268" indent="0">
               <a:buNone/>
               <a:defRPr sz="1600" b="1"/>
             </a:lvl7pPr>
-            <a:lvl8pPr marL="3200400" indent="0">
+            <a:lvl8pPr marL="3200481" indent="0">
               <a:buNone/>
               <a:defRPr sz="1600" b="1"/>
             </a:lvl8pPr>
-            <a:lvl9pPr marL="3657600" indent="0">
+            <a:lvl9pPr marL="3657692" indent="0">
               <a:buNone/>
               <a:defRPr sz="1600" b="1"/>
             </a:lvl9pPr>
@@ -1540,7 +1541,7 @@
           <a:p>
             <a:pPr lvl="0"/>
             <a:r>
-              <a:rPr lang="es-ES" smtClean="0"/>
+              <a:rPr lang="es-ES"/>
               <a:t>Editar el estilo de texto del patrón</a:t>
             </a:r>
           </a:p>
@@ -1558,7 +1559,7 @@
         </p:nvSpPr>
         <p:spPr>
           <a:xfrm>
-            <a:off x="6172200" y="2505075"/>
+            <a:off x="6172203" y="2505076"/>
             <a:ext cx="5183188" cy="3684588"/>
           </a:xfrm>
         </p:spPr>
@@ -1568,35 +1569,35 @@
           <a:p>
             <a:pPr lvl="0"/>
             <a:r>
-              <a:rPr lang="es-ES" smtClean="0"/>
+              <a:rPr lang="es-ES"/>
               <a:t>Editar el estilo de texto del patrón</a:t>
             </a:r>
           </a:p>
           <a:p>
             <a:pPr lvl="1"/>
             <a:r>
-              <a:rPr lang="es-ES" smtClean="0"/>
+              <a:rPr lang="es-ES"/>
               <a:t>Segundo nivel</a:t>
             </a:r>
           </a:p>
           <a:p>
             <a:pPr lvl="2"/>
             <a:r>
-              <a:rPr lang="es-ES" smtClean="0"/>
+              <a:rPr lang="es-ES"/>
               <a:t>Tercer nivel</a:t>
             </a:r>
           </a:p>
           <a:p>
             <a:pPr lvl="3"/>
             <a:r>
-              <a:rPr lang="es-ES" smtClean="0"/>
+              <a:rPr lang="es-ES"/>
               <a:t>Cuarto nivel</a:t>
             </a:r>
           </a:p>
           <a:p>
             <a:pPr lvl="4"/>
             <a:r>
-              <a:rPr lang="es-ES" smtClean="0"/>
+              <a:rPr lang="es-ES"/>
               <a:t>Quinto nivel</a:t>
             </a:r>
             <a:endParaRPr lang="en-AU"/>
@@ -1620,7 +1621,7 @@
           <a:p>
             <a:fld id="{662D30CF-6288-487A-96F5-CD6A5C538736}" type="datetimeFigureOut">
               <a:rPr lang="en-AU" smtClean="0"/>
-              <a:t>12/09/2019</a:t>
+              <a:t>4/03/2022</a:t>
             </a:fld>
             <a:endParaRPr lang="en-AU"/>
           </a:p>
@@ -1662,7 +1663,7 @@
           <a:p>
             <a:fld id="{1BD05863-538A-4B89-9DAC-B5F32471F2B0}" type="slidenum">
               <a:rPr lang="en-AU" smtClean="0"/>
-              <a:t>‹Nº›</a:t>
+              <a:t>‹#›</a:t>
             </a:fld>
             <a:endParaRPr lang="en-AU"/>
           </a:p>
@@ -1714,7 +1715,7 @@
           <a:lstStyle/>
           <a:p>
             <a:r>
-              <a:rPr lang="es-ES" smtClean="0"/>
+              <a:rPr lang="es-ES"/>
               <a:t>Haga clic para modificar el estilo de título del patrón</a:t>
             </a:r>
             <a:endParaRPr lang="en-AU"/>
@@ -1738,7 +1739,7 @@
           <a:p>
             <a:fld id="{662D30CF-6288-487A-96F5-CD6A5C538736}" type="datetimeFigureOut">
               <a:rPr lang="en-AU" smtClean="0"/>
-              <a:t>12/09/2019</a:t>
+              <a:t>4/03/2022</a:t>
             </a:fld>
             <a:endParaRPr lang="en-AU"/>
           </a:p>
@@ -1780,7 +1781,7 @@
           <a:p>
             <a:fld id="{1BD05863-538A-4B89-9DAC-B5F32471F2B0}" type="slidenum">
               <a:rPr lang="en-AU" smtClean="0"/>
-              <a:t>‹Nº›</a:t>
+              <a:t>‹#›</a:t>
             </a:fld>
             <a:endParaRPr lang="en-AU"/>
           </a:p>
@@ -1833,7 +1834,7 @@
           <a:p>
             <a:fld id="{662D30CF-6288-487A-96F5-CD6A5C538736}" type="datetimeFigureOut">
               <a:rPr lang="en-AU" smtClean="0"/>
-              <a:t>12/09/2019</a:t>
+              <a:t>4/03/2022</a:t>
             </a:fld>
             <a:endParaRPr lang="en-AU"/>
           </a:p>
@@ -1875,7 +1876,7 @@
           <a:p>
             <a:fld id="{1BD05863-538A-4B89-9DAC-B5F32471F2B0}" type="slidenum">
               <a:rPr lang="en-AU" smtClean="0"/>
-              <a:t>‹Nº›</a:t>
+              <a:t>‹#›</a:t>
             </a:fld>
             <a:endParaRPr lang="en-AU"/>
           </a:p>
@@ -1923,8 +1924,8 @@
         </p:nvSpPr>
         <p:spPr>
           <a:xfrm>
-            <a:off x="839788" y="457200"/>
-            <a:ext cx="3932237" cy="1600200"/>
+            <a:off x="839791" y="457200"/>
+            <a:ext cx="3932236" cy="1600200"/>
           </a:xfrm>
         </p:spPr>
         <p:txBody>
@@ -1936,7 +1937,7 @@
           </a:lstStyle>
           <a:p>
             <a:r>
-              <a:rPr lang="es-ES" smtClean="0"/>
+              <a:rPr lang="es-ES"/>
               <a:t>Haga clic para modificar el estilo de título del patrón</a:t>
             </a:r>
             <a:endParaRPr lang="en-AU"/>
@@ -1955,8 +1956,8 @@
         </p:nvSpPr>
         <p:spPr>
           <a:xfrm>
-            <a:off x="5183188" y="987425"/>
-            <a:ext cx="6172200" cy="4873625"/>
+            <a:off x="5183190" y="987425"/>
+            <a:ext cx="6172201" cy="4873625"/>
           </a:xfrm>
         </p:spPr>
         <p:txBody>
@@ -1993,35 +1994,35 @@
           <a:p>
             <a:pPr lvl="0"/>
             <a:r>
-              <a:rPr lang="es-ES" smtClean="0"/>
+              <a:rPr lang="es-ES"/>
               <a:t>Editar el estilo de texto del patrón</a:t>
             </a:r>
           </a:p>
           <a:p>
             <a:pPr lvl="1"/>
             <a:r>
-              <a:rPr lang="es-ES" smtClean="0"/>
+              <a:rPr lang="es-ES"/>
               <a:t>Segundo nivel</a:t>
             </a:r>
           </a:p>
           <a:p>
             <a:pPr lvl="2"/>
             <a:r>
-              <a:rPr lang="es-ES" smtClean="0"/>
+              <a:rPr lang="es-ES"/>
               <a:t>Tercer nivel</a:t>
             </a:r>
           </a:p>
           <a:p>
             <a:pPr lvl="3"/>
             <a:r>
-              <a:rPr lang="es-ES" smtClean="0"/>
+              <a:rPr lang="es-ES"/>
               <a:t>Cuarto nivel</a:t>
             </a:r>
           </a:p>
           <a:p>
             <a:pPr lvl="4"/>
             <a:r>
-              <a:rPr lang="es-ES" smtClean="0"/>
+              <a:rPr lang="es-ES"/>
               <a:t>Quinto nivel</a:t>
             </a:r>
             <a:endParaRPr lang="en-AU"/>
@@ -2040,8 +2041,8 @@
         </p:nvSpPr>
         <p:spPr>
           <a:xfrm>
-            <a:off x="839788" y="2057400"/>
-            <a:ext cx="3932237" cy="3811588"/>
+            <a:off x="839791" y="2057400"/>
+            <a:ext cx="3932236" cy="3811588"/>
           </a:xfrm>
         </p:spPr>
         <p:txBody>
@@ -2051,43 +2052,43 @@
               <a:buNone/>
               <a:defRPr sz="1600"/>
             </a:lvl1pPr>
-            <a:lvl2pPr marL="457200" indent="0">
-              <a:buNone/>
-              <a:defRPr sz="1400"/>
+            <a:lvl2pPr marL="457211" indent="0">
+              <a:buNone/>
+              <a:defRPr sz="1401"/>
             </a:lvl2pPr>
-            <a:lvl3pPr marL="914400" indent="0">
+            <a:lvl3pPr marL="914422" indent="0">
               <a:buNone/>
               <a:defRPr sz="1200"/>
             </a:lvl3pPr>
-            <a:lvl4pPr marL="1371600" indent="0">
-              <a:buNone/>
-              <a:defRPr sz="1000"/>
+            <a:lvl4pPr marL="1371635" indent="0">
+              <a:buNone/>
+              <a:defRPr sz="1001"/>
             </a:lvl4pPr>
-            <a:lvl5pPr marL="1828800" indent="0">
-              <a:buNone/>
-              <a:defRPr sz="1000"/>
+            <a:lvl5pPr marL="1828846" indent="0">
+              <a:buNone/>
+              <a:defRPr sz="1001"/>
             </a:lvl5pPr>
-            <a:lvl6pPr marL="2286000" indent="0">
-              <a:buNone/>
-              <a:defRPr sz="1000"/>
+            <a:lvl6pPr marL="2286057" indent="0">
+              <a:buNone/>
+              <a:defRPr sz="1001"/>
             </a:lvl6pPr>
-            <a:lvl7pPr marL="2743200" indent="0">
-              <a:buNone/>
-              <a:defRPr sz="1000"/>
+            <a:lvl7pPr marL="2743268" indent="0">
+              <a:buNone/>
+              <a:defRPr sz="1001"/>
             </a:lvl7pPr>
-            <a:lvl8pPr marL="3200400" indent="0">
-              <a:buNone/>
-              <a:defRPr sz="1000"/>
+            <a:lvl8pPr marL="3200481" indent="0">
+              <a:buNone/>
+              <a:defRPr sz="1001"/>
             </a:lvl8pPr>
-            <a:lvl9pPr marL="3657600" indent="0">
-              <a:buNone/>
-              <a:defRPr sz="1000"/>
+            <a:lvl9pPr marL="3657692" indent="0">
+              <a:buNone/>
+              <a:defRPr sz="1001"/>
             </a:lvl9pPr>
           </a:lstStyle>
           <a:p>
             <a:pPr lvl="0"/>
             <a:r>
-              <a:rPr lang="es-ES" smtClean="0"/>
+              <a:rPr lang="es-ES"/>
               <a:t>Editar el estilo de texto del patrón</a:t>
             </a:r>
           </a:p>
@@ -2110,7 +2111,7 @@
           <a:p>
             <a:fld id="{662D30CF-6288-487A-96F5-CD6A5C538736}" type="datetimeFigureOut">
               <a:rPr lang="en-AU" smtClean="0"/>
-              <a:t>12/09/2019</a:t>
+              <a:t>4/03/2022</a:t>
             </a:fld>
             <a:endParaRPr lang="en-AU"/>
           </a:p>
@@ -2152,7 +2153,7 @@
           <a:p>
             <a:fld id="{1BD05863-538A-4B89-9DAC-B5F32471F2B0}" type="slidenum">
               <a:rPr lang="en-AU" smtClean="0"/>
-              <a:t>‹Nº›</a:t>
+              <a:t>‹#›</a:t>
             </a:fld>
             <a:endParaRPr lang="en-AU"/>
           </a:p>
@@ -2200,8 +2201,8 @@
         </p:nvSpPr>
         <p:spPr>
           <a:xfrm>
-            <a:off x="839788" y="457200"/>
-            <a:ext cx="3932237" cy="1600200"/>
+            <a:off x="839791" y="457200"/>
+            <a:ext cx="3932236" cy="1600200"/>
           </a:xfrm>
         </p:spPr>
         <p:txBody>
@@ -2213,7 +2214,7 @@
           </a:lstStyle>
           <a:p>
             <a:r>
-              <a:rPr lang="es-ES" smtClean="0"/>
+              <a:rPr lang="es-ES"/>
               <a:t>Haga clic para modificar el estilo de título del patrón</a:t>
             </a:r>
             <a:endParaRPr lang="en-AU"/>
@@ -2232,8 +2233,8 @@
         </p:nvSpPr>
         <p:spPr>
           <a:xfrm>
-            <a:off x="5183188" y="987425"/>
-            <a:ext cx="6172200" cy="4873625"/>
+            <a:off x="5183190" y="987425"/>
+            <a:ext cx="6172201" cy="4873625"/>
           </a:xfrm>
         </p:spPr>
         <p:txBody>
@@ -2243,35 +2244,35 @@
               <a:buNone/>
               <a:defRPr sz="3200"/>
             </a:lvl1pPr>
-            <a:lvl2pPr marL="457200" indent="0">
+            <a:lvl2pPr marL="457211" indent="0">
               <a:buNone/>
               <a:defRPr sz="2800"/>
             </a:lvl2pPr>
-            <a:lvl3pPr marL="914400" indent="0">
+            <a:lvl3pPr marL="914422" indent="0">
               <a:buNone/>
               <a:defRPr sz="2400"/>
             </a:lvl3pPr>
-            <a:lvl4pPr marL="1371600" indent="0">
+            <a:lvl4pPr marL="1371635" indent="0">
               <a:buNone/>
               <a:defRPr sz="2000"/>
             </a:lvl4pPr>
-            <a:lvl5pPr marL="1828800" indent="0">
+            <a:lvl5pPr marL="1828846" indent="0">
               <a:buNone/>
               <a:defRPr sz="2000"/>
             </a:lvl5pPr>
-            <a:lvl6pPr marL="2286000" indent="0">
+            <a:lvl6pPr marL="2286057" indent="0">
               <a:buNone/>
               <a:defRPr sz="2000"/>
             </a:lvl6pPr>
-            <a:lvl7pPr marL="2743200" indent="0">
+            <a:lvl7pPr marL="2743268" indent="0">
               <a:buNone/>
               <a:defRPr sz="2000"/>
             </a:lvl7pPr>
-            <a:lvl8pPr marL="3200400" indent="0">
+            <a:lvl8pPr marL="3200481" indent="0">
               <a:buNone/>
               <a:defRPr sz="2000"/>
             </a:lvl8pPr>
-            <a:lvl9pPr marL="3657600" indent="0">
+            <a:lvl9pPr marL="3657692" indent="0">
               <a:buNone/>
               <a:defRPr sz="2000"/>
             </a:lvl9pPr>
@@ -2293,8 +2294,8 @@
         </p:nvSpPr>
         <p:spPr>
           <a:xfrm>
-            <a:off x="839788" y="2057400"/>
-            <a:ext cx="3932237" cy="3811588"/>
+            <a:off x="839791" y="2057400"/>
+            <a:ext cx="3932236" cy="3811588"/>
           </a:xfrm>
         </p:spPr>
         <p:txBody>
@@ -2304,43 +2305,43 @@
               <a:buNone/>
               <a:defRPr sz="1600"/>
             </a:lvl1pPr>
-            <a:lvl2pPr marL="457200" indent="0">
-              <a:buNone/>
-              <a:defRPr sz="1400"/>
+            <a:lvl2pPr marL="457211" indent="0">
+              <a:buNone/>
+              <a:defRPr sz="1401"/>
             </a:lvl2pPr>
-            <a:lvl3pPr marL="914400" indent="0">
+            <a:lvl3pPr marL="914422" indent="0">
               <a:buNone/>
               <a:defRPr sz="1200"/>
             </a:lvl3pPr>
-            <a:lvl4pPr marL="1371600" indent="0">
-              <a:buNone/>
-              <a:defRPr sz="1000"/>
+            <a:lvl4pPr marL="1371635" indent="0">
+              <a:buNone/>
+              <a:defRPr sz="1001"/>
             </a:lvl4pPr>
-            <a:lvl5pPr marL="1828800" indent="0">
-              <a:buNone/>
-              <a:defRPr sz="1000"/>
+            <a:lvl5pPr marL="1828846" indent="0">
+              <a:buNone/>
+              <a:defRPr sz="1001"/>
             </a:lvl5pPr>
-            <a:lvl6pPr marL="2286000" indent="0">
-              <a:buNone/>
-              <a:defRPr sz="1000"/>
+            <a:lvl6pPr marL="2286057" indent="0">
+              <a:buNone/>
+              <a:defRPr sz="1001"/>
             </a:lvl6pPr>
-            <a:lvl7pPr marL="2743200" indent="0">
-              <a:buNone/>
-              <a:defRPr sz="1000"/>
+            <a:lvl7pPr marL="2743268" indent="0">
+              <a:buNone/>
+              <a:defRPr sz="1001"/>
             </a:lvl7pPr>
-            <a:lvl8pPr marL="3200400" indent="0">
-              <a:buNone/>
-              <a:defRPr sz="1000"/>
+            <a:lvl8pPr marL="3200481" indent="0">
+              <a:buNone/>
+              <a:defRPr sz="1001"/>
             </a:lvl8pPr>
-            <a:lvl9pPr marL="3657600" indent="0">
-              <a:buNone/>
-              <a:defRPr sz="1000"/>
+            <a:lvl9pPr marL="3657692" indent="0">
+              <a:buNone/>
+              <a:defRPr sz="1001"/>
             </a:lvl9pPr>
           </a:lstStyle>
           <a:p>
             <a:pPr lvl="0"/>
             <a:r>
-              <a:rPr lang="es-ES" smtClean="0"/>
+              <a:rPr lang="es-ES"/>
               <a:t>Editar el estilo de texto del patrón</a:t>
             </a:r>
           </a:p>
@@ -2363,7 +2364,7 @@
           <a:p>
             <a:fld id="{662D30CF-6288-487A-96F5-CD6A5C538736}" type="datetimeFigureOut">
               <a:rPr lang="en-AU" smtClean="0"/>
-              <a:t>12/09/2019</a:t>
+              <a:t>4/03/2022</a:t>
             </a:fld>
             <a:endParaRPr lang="en-AU"/>
           </a:p>
@@ -2405,7 +2406,7 @@
           <a:p>
             <a:fld id="{1BD05863-538A-4B89-9DAC-B5F32471F2B0}" type="slidenum">
               <a:rPr lang="en-AU" smtClean="0"/>
-              <a:t>‹Nº›</a:t>
+              <a:t>‹#›</a:t>
             </a:fld>
             <a:endParaRPr lang="en-AU"/>
           </a:p>
@@ -2458,7 +2459,7 @@
         </p:nvSpPr>
         <p:spPr>
           <a:xfrm>
-            <a:off x="838200" y="365125"/>
+            <a:off x="838204" y="365125"/>
             <a:ext cx="10515600" cy="1325563"/>
           </a:xfrm>
           <a:prstGeom prst="rect">
@@ -2472,7 +2473,7 @@
           <a:lstStyle/>
           <a:p>
             <a:r>
-              <a:rPr lang="es-ES" smtClean="0"/>
+              <a:rPr lang="es-ES"/>
               <a:t>Haga clic para modificar el estilo de título del patrón</a:t>
             </a:r>
             <a:endParaRPr lang="en-AU"/>
@@ -2491,7 +2492,7 @@
         </p:nvSpPr>
         <p:spPr>
           <a:xfrm>
-            <a:off x="838200" y="1825625"/>
+            <a:off x="838204" y="1825625"/>
             <a:ext cx="10515600" cy="4351338"/>
           </a:xfrm>
           <a:prstGeom prst="rect">
@@ -2506,35 +2507,35 @@
           <a:p>
             <a:pPr lvl="0"/>
             <a:r>
-              <a:rPr lang="es-ES" smtClean="0"/>
+              <a:rPr lang="es-ES"/>
               <a:t>Editar el estilo de texto del patrón</a:t>
             </a:r>
           </a:p>
           <a:p>
             <a:pPr lvl="1"/>
             <a:r>
-              <a:rPr lang="es-ES" smtClean="0"/>
+              <a:rPr lang="es-ES"/>
               <a:t>Segundo nivel</a:t>
             </a:r>
           </a:p>
           <a:p>
             <a:pPr lvl="2"/>
             <a:r>
-              <a:rPr lang="es-ES" smtClean="0"/>
+              <a:rPr lang="es-ES"/>
               <a:t>Tercer nivel</a:t>
             </a:r>
           </a:p>
           <a:p>
             <a:pPr lvl="3"/>
             <a:r>
-              <a:rPr lang="es-ES" smtClean="0"/>
+              <a:rPr lang="es-ES"/>
               <a:t>Cuarto nivel</a:t>
             </a:r>
           </a:p>
           <a:p>
             <a:pPr lvl="4"/>
             <a:r>
-              <a:rPr lang="es-ES" smtClean="0"/>
+              <a:rPr lang="es-ES"/>
               <a:t>Quinto nivel</a:t>
             </a:r>
             <a:endParaRPr lang="en-AU"/>
@@ -2553,7 +2554,7 @@
         </p:nvSpPr>
         <p:spPr>
           <a:xfrm>
-            <a:off x="838200" y="6356350"/>
+            <a:off x="838201" y="6356352"/>
             <a:ext cx="2743200" cy="365125"/>
           </a:xfrm>
           <a:prstGeom prst="rect">
@@ -2576,7 +2577,7 @@
           <a:p>
             <a:fld id="{662D30CF-6288-487A-96F5-CD6A5C538736}" type="datetimeFigureOut">
               <a:rPr lang="en-AU" smtClean="0"/>
-              <a:t>12/09/2019</a:t>
+              <a:t>4/03/2022</a:t>
             </a:fld>
             <a:endParaRPr lang="en-AU"/>
           </a:p>
@@ -2594,7 +2595,7 @@
         </p:nvSpPr>
         <p:spPr>
           <a:xfrm>
-            <a:off x="4038600" y="6356350"/>
+            <a:off x="4038604" y="6356352"/>
             <a:ext cx="4114800" cy="365125"/>
           </a:xfrm>
           <a:prstGeom prst="rect">
@@ -2631,7 +2632,7 @@
         </p:nvSpPr>
         <p:spPr>
           <a:xfrm>
-            <a:off x="8610600" y="6356350"/>
+            <a:off x="8610601" y="6356352"/>
             <a:ext cx="2743200" cy="365125"/>
           </a:xfrm>
           <a:prstGeom prst="rect">
@@ -2654,7 +2655,7 @@
           <a:p>
             <a:fld id="{1BD05863-538A-4B89-9DAC-B5F32471F2B0}" type="slidenum">
               <a:rPr lang="en-AU" smtClean="0"/>
-              <a:t>‹Nº›</a:t>
+              <a:t>‹#›</a:t>
             </a:fld>
             <a:endParaRPr lang="en-AU"/>
           </a:p>
@@ -2683,7 +2684,7 @@
   </p:sldLayoutIdLst>
   <p:txStyles>
     <p:titleStyle>
-      <a:lvl1pPr algn="l" defTabSz="914400" rtl="0" eaLnBrk="1" latinLnBrk="0" hangingPunct="1">
+      <a:lvl1pPr algn="l" defTabSz="914422" rtl="0" eaLnBrk="1" latinLnBrk="0" hangingPunct="1">
         <a:lnSpc>
           <a:spcPct val="90000"/>
         </a:lnSpc>
@@ -2702,12 +2703,12 @@
       </a:lvl1pPr>
     </p:titleStyle>
     <p:bodyStyle>
-      <a:lvl1pPr marL="228600" indent="-228600" algn="l" defTabSz="914400" rtl="0" eaLnBrk="1" latinLnBrk="0" hangingPunct="1">
+      <a:lvl1pPr marL="228606" indent="-228606" algn="l" defTabSz="914422" rtl="0" eaLnBrk="1" latinLnBrk="0" hangingPunct="1">
         <a:lnSpc>
           <a:spcPct val="90000"/>
         </a:lnSpc>
         <a:spcBef>
-          <a:spcPts val="1000"/>
+          <a:spcPts val="1001"/>
         </a:spcBef>
         <a:buFont typeface="Arial" panose="020B0604020202020204" pitchFamily="34" charset="0"/>
         <a:buChar char="•"/>
@@ -2720,7 +2721,7 @@
           <a:cs typeface="+mn-cs"/>
         </a:defRPr>
       </a:lvl1pPr>
-      <a:lvl2pPr marL="685800" indent="-228600" algn="l" defTabSz="914400" rtl="0" eaLnBrk="1" latinLnBrk="0" hangingPunct="1">
+      <a:lvl2pPr marL="685817" indent="-228606" algn="l" defTabSz="914422" rtl="0" eaLnBrk="1" latinLnBrk="0" hangingPunct="1">
         <a:lnSpc>
           <a:spcPct val="90000"/>
         </a:lnSpc>
@@ -2738,7 +2739,7 @@
           <a:cs typeface="+mn-cs"/>
         </a:defRPr>
       </a:lvl2pPr>
-      <a:lvl3pPr marL="1143000" indent="-228600" algn="l" defTabSz="914400" rtl="0" eaLnBrk="1" latinLnBrk="0" hangingPunct="1">
+      <a:lvl3pPr marL="1143028" indent="-228606" algn="l" defTabSz="914422" rtl="0" eaLnBrk="1" latinLnBrk="0" hangingPunct="1">
         <a:lnSpc>
           <a:spcPct val="90000"/>
         </a:lnSpc>
@@ -2756,7 +2757,7 @@
           <a:cs typeface="+mn-cs"/>
         </a:defRPr>
       </a:lvl3pPr>
-      <a:lvl4pPr marL="1600200" indent="-228600" algn="l" defTabSz="914400" rtl="0" eaLnBrk="1" latinLnBrk="0" hangingPunct="1">
+      <a:lvl4pPr marL="1600240" indent="-228606" algn="l" defTabSz="914422" rtl="0" eaLnBrk="1" latinLnBrk="0" hangingPunct="1">
         <a:lnSpc>
           <a:spcPct val="90000"/>
         </a:lnSpc>
@@ -2765,7 +2766,7 @@
         </a:spcBef>
         <a:buFont typeface="Arial" panose="020B0604020202020204" pitchFamily="34" charset="0"/>
         <a:buChar char="•"/>
-        <a:defRPr sz="1800" kern="1200">
+        <a:defRPr sz="1801" kern="1200">
           <a:solidFill>
             <a:schemeClr val="tx1"/>
           </a:solidFill>
@@ -2774,7 +2775,7 @@
           <a:cs typeface="+mn-cs"/>
         </a:defRPr>
       </a:lvl4pPr>
-      <a:lvl5pPr marL="2057400" indent="-228600" algn="l" defTabSz="914400" rtl="0" eaLnBrk="1" latinLnBrk="0" hangingPunct="1">
+      <a:lvl5pPr marL="2057451" indent="-228606" algn="l" defTabSz="914422" rtl="0" eaLnBrk="1" latinLnBrk="0" hangingPunct="1">
         <a:lnSpc>
           <a:spcPct val="90000"/>
         </a:lnSpc>
@@ -2783,7 +2784,7 @@
         </a:spcBef>
         <a:buFont typeface="Arial" panose="020B0604020202020204" pitchFamily="34" charset="0"/>
         <a:buChar char="•"/>
-        <a:defRPr sz="1800" kern="1200">
+        <a:defRPr sz="1801" kern="1200">
           <a:solidFill>
             <a:schemeClr val="tx1"/>
           </a:solidFill>
@@ -2792,7 +2793,7 @@
           <a:cs typeface="+mn-cs"/>
         </a:defRPr>
       </a:lvl5pPr>
-      <a:lvl6pPr marL="2514600" indent="-228600" algn="l" defTabSz="914400" rtl="0" eaLnBrk="1" latinLnBrk="0" hangingPunct="1">
+      <a:lvl6pPr marL="2514664" indent="-228606" algn="l" defTabSz="914422" rtl="0" eaLnBrk="1" latinLnBrk="0" hangingPunct="1">
         <a:lnSpc>
           <a:spcPct val="90000"/>
         </a:lnSpc>
@@ -2801,7 +2802,7 @@
         </a:spcBef>
         <a:buFont typeface="Arial" panose="020B0604020202020204" pitchFamily="34" charset="0"/>
         <a:buChar char="•"/>
-        <a:defRPr sz="1800" kern="1200">
+        <a:defRPr sz="1801" kern="1200">
           <a:solidFill>
             <a:schemeClr val="tx1"/>
           </a:solidFill>
@@ -2810,7 +2811,7 @@
           <a:cs typeface="+mn-cs"/>
         </a:defRPr>
       </a:lvl6pPr>
-      <a:lvl7pPr marL="2971800" indent="-228600" algn="l" defTabSz="914400" rtl="0" eaLnBrk="1" latinLnBrk="0" hangingPunct="1">
+      <a:lvl7pPr marL="2971874" indent="-228606" algn="l" defTabSz="914422" rtl="0" eaLnBrk="1" latinLnBrk="0" hangingPunct="1">
         <a:lnSpc>
           <a:spcPct val="90000"/>
         </a:lnSpc>
@@ -2819,7 +2820,7 @@
         </a:spcBef>
         <a:buFont typeface="Arial" panose="020B0604020202020204" pitchFamily="34" charset="0"/>
         <a:buChar char="•"/>
-        <a:defRPr sz="1800" kern="1200">
+        <a:defRPr sz="1801" kern="1200">
           <a:solidFill>
             <a:schemeClr val="tx1"/>
           </a:solidFill>
@@ -2828,7 +2829,7 @@
           <a:cs typeface="+mn-cs"/>
         </a:defRPr>
       </a:lvl7pPr>
-      <a:lvl8pPr marL="3429000" indent="-228600" algn="l" defTabSz="914400" rtl="0" eaLnBrk="1" latinLnBrk="0" hangingPunct="1">
+      <a:lvl8pPr marL="3429086" indent="-228606" algn="l" defTabSz="914422" rtl="0" eaLnBrk="1" latinLnBrk="0" hangingPunct="1">
         <a:lnSpc>
           <a:spcPct val="90000"/>
         </a:lnSpc>
@@ -2837,7 +2838,7 @@
         </a:spcBef>
         <a:buFont typeface="Arial" panose="020B0604020202020204" pitchFamily="34" charset="0"/>
         <a:buChar char="•"/>
-        <a:defRPr sz="1800" kern="1200">
+        <a:defRPr sz="1801" kern="1200">
           <a:solidFill>
             <a:schemeClr val="tx1"/>
           </a:solidFill>
@@ -2846,7 +2847,7 @@
           <a:cs typeface="+mn-cs"/>
         </a:defRPr>
       </a:lvl8pPr>
-      <a:lvl9pPr marL="3886200" indent="-228600" algn="l" defTabSz="914400" rtl="0" eaLnBrk="1" latinLnBrk="0" hangingPunct="1">
+      <a:lvl9pPr marL="3886297" indent="-228606" algn="l" defTabSz="914422" rtl="0" eaLnBrk="1" latinLnBrk="0" hangingPunct="1">
         <a:lnSpc>
           <a:spcPct val="90000"/>
         </a:lnSpc>
@@ -2855,7 +2856,7 @@
         </a:spcBef>
         <a:buFont typeface="Arial" panose="020B0604020202020204" pitchFamily="34" charset="0"/>
         <a:buChar char="•"/>
-        <a:defRPr sz="1800" kern="1200">
+        <a:defRPr sz="1801" kern="1200">
           <a:solidFill>
             <a:schemeClr val="tx1"/>
           </a:solidFill>
@@ -2869,8 +2870,8 @@
       <a:defPPr>
         <a:defRPr lang="en-US"/>
       </a:defPPr>
-      <a:lvl1pPr marL="0" algn="l" defTabSz="914400" rtl="0" eaLnBrk="1" latinLnBrk="0" hangingPunct="1">
-        <a:defRPr sz="1800" kern="1200">
+      <a:lvl1pPr marL="0" algn="l" defTabSz="914422" rtl="0" eaLnBrk="1" latinLnBrk="0" hangingPunct="1">
+        <a:defRPr sz="1801" kern="1200">
           <a:solidFill>
             <a:schemeClr val="tx1"/>
           </a:solidFill>
@@ -2879,8 +2880,8 @@
           <a:cs typeface="+mn-cs"/>
         </a:defRPr>
       </a:lvl1pPr>
-      <a:lvl2pPr marL="457200" algn="l" defTabSz="914400" rtl="0" eaLnBrk="1" latinLnBrk="0" hangingPunct="1">
-        <a:defRPr sz="1800" kern="1200">
+      <a:lvl2pPr marL="457211" algn="l" defTabSz="914422" rtl="0" eaLnBrk="1" latinLnBrk="0" hangingPunct="1">
+        <a:defRPr sz="1801" kern="1200">
           <a:solidFill>
             <a:schemeClr val="tx1"/>
           </a:solidFill>
@@ -2889,8 +2890,8 @@
           <a:cs typeface="+mn-cs"/>
         </a:defRPr>
       </a:lvl2pPr>
-      <a:lvl3pPr marL="914400" algn="l" defTabSz="914400" rtl="0" eaLnBrk="1" latinLnBrk="0" hangingPunct="1">
-        <a:defRPr sz="1800" kern="1200">
+      <a:lvl3pPr marL="914422" algn="l" defTabSz="914422" rtl="0" eaLnBrk="1" latinLnBrk="0" hangingPunct="1">
+        <a:defRPr sz="1801" kern="1200">
           <a:solidFill>
             <a:schemeClr val="tx1"/>
           </a:solidFill>
@@ -2899,8 +2900,8 @@
           <a:cs typeface="+mn-cs"/>
         </a:defRPr>
       </a:lvl3pPr>
-      <a:lvl4pPr marL="1371600" algn="l" defTabSz="914400" rtl="0" eaLnBrk="1" latinLnBrk="0" hangingPunct="1">
-        <a:defRPr sz="1800" kern="1200">
+      <a:lvl4pPr marL="1371635" algn="l" defTabSz="914422" rtl="0" eaLnBrk="1" latinLnBrk="0" hangingPunct="1">
+        <a:defRPr sz="1801" kern="1200">
           <a:solidFill>
             <a:schemeClr val="tx1"/>
           </a:solidFill>
@@ -2909,8 +2910,8 @@
           <a:cs typeface="+mn-cs"/>
         </a:defRPr>
       </a:lvl4pPr>
-      <a:lvl5pPr marL="1828800" algn="l" defTabSz="914400" rtl="0" eaLnBrk="1" latinLnBrk="0" hangingPunct="1">
-        <a:defRPr sz="1800" kern="1200">
+      <a:lvl5pPr marL="1828846" algn="l" defTabSz="914422" rtl="0" eaLnBrk="1" latinLnBrk="0" hangingPunct="1">
+        <a:defRPr sz="1801" kern="1200">
           <a:solidFill>
             <a:schemeClr val="tx1"/>
           </a:solidFill>
@@ -2919,8 +2920,8 @@
           <a:cs typeface="+mn-cs"/>
         </a:defRPr>
       </a:lvl5pPr>
-      <a:lvl6pPr marL="2286000" algn="l" defTabSz="914400" rtl="0" eaLnBrk="1" latinLnBrk="0" hangingPunct="1">
-        <a:defRPr sz="1800" kern="1200">
+      <a:lvl6pPr marL="2286057" algn="l" defTabSz="914422" rtl="0" eaLnBrk="1" latinLnBrk="0" hangingPunct="1">
+        <a:defRPr sz="1801" kern="1200">
           <a:solidFill>
             <a:schemeClr val="tx1"/>
           </a:solidFill>
@@ -2929,8 +2930,8 @@
           <a:cs typeface="+mn-cs"/>
         </a:defRPr>
       </a:lvl6pPr>
-      <a:lvl7pPr marL="2743200" algn="l" defTabSz="914400" rtl="0" eaLnBrk="1" latinLnBrk="0" hangingPunct="1">
-        <a:defRPr sz="1800" kern="1200">
+      <a:lvl7pPr marL="2743268" algn="l" defTabSz="914422" rtl="0" eaLnBrk="1" latinLnBrk="0" hangingPunct="1">
+        <a:defRPr sz="1801" kern="1200">
           <a:solidFill>
             <a:schemeClr val="tx1"/>
           </a:solidFill>
@@ -2939,8 +2940,8 @@
           <a:cs typeface="+mn-cs"/>
         </a:defRPr>
       </a:lvl7pPr>
-      <a:lvl8pPr marL="3200400" algn="l" defTabSz="914400" rtl="0" eaLnBrk="1" latinLnBrk="0" hangingPunct="1">
-        <a:defRPr sz="1800" kern="1200">
+      <a:lvl8pPr marL="3200481" algn="l" defTabSz="914422" rtl="0" eaLnBrk="1" latinLnBrk="0" hangingPunct="1">
+        <a:defRPr sz="1801" kern="1200">
           <a:solidFill>
             <a:schemeClr val="tx1"/>
           </a:solidFill>
@@ -2949,8 +2950,8 @@
           <a:cs typeface="+mn-cs"/>
         </a:defRPr>
       </a:lvl8pPr>
-      <a:lvl9pPr marL="3657600" algn="l" defTabSz="914400" rtl="0" eaLnBrk="1" latinLnBrk="0" hangingPunct="1">
-        <a:defRPr sz="1800" kern="1200">
+      <a:lvl9pPr marL="3657692" algn="l" defTabSz="914422" rtl="0" eaLnBrk="1" latinLnBrk="0" hangingPunct="1">
+        <a:defRPr sz="1801" kern="1200">
           <a:solidFill>
             <a:schemeClr val="tx1"/>
           </a:solidFill>
@@ -3004,8 +3005,8 @@
         </p:blipFill>
         <p:spPr bwMode="auto">
           <a:xfrm>
-            <a:off x="282071" y="2315293"/>
-            <a:ext cx="5099230" cy="4126872"/>
+            <a:off x="282072" y="2315293"/>
+            <a:ext cx="5099230" cy="4126873"/>
           </a:xfrm>
           <a:prstGeom prst="rect">
             <a:avLst/>
@@ -3030,7 +3031,7 @@
         </p:nvSpPr>
         <p:spPr>
           <a:xfrm>
-            <a:off x="2207176" y="3076092"/>
+            <a:off x="2207178" y="3076093"/>
             <a:ext cx="1008994" cy="854782"/>
           </a:xfrm>
           <a:prstGeom prst="rect">
@@ -3061,7 +3062,7 @@
           <a:lstStyle/>
           <a:p>
             <a:pPr algn="ctr"/>
-            <a:endParaRPr lang="en-AU"/>
+            <a:endParaRPr lang="en-AU" sz="1801"/>
           </a:p>
         </p:txBody>
       </p:sp>
@@ -3088,8 +3089,8 @@
         </p:blipFill>
         <p:spPr bwMode="auto">
           <a:xfrm>
-            <a:off x="2307644" y="3099454"/>
-            <a:ext cx="808057" cy="404029"/>
+            <a:off x="2307644" y="3099455"/>
+            <a:ext cx="808057" cy="404028"/>
           </a:xfrm>
           <a:prstGeom prst="rect">
             <a:avLst/>
@@ -3114,8 +3115,8 @@
         </p:nvSpPr>
         <p:spPr>
           <a:xfrm>
-            <a:off x="2264366" y="3469209"/>
-            <a:ext cx="951804" cy="461665"/>
+            <a:off x="2264366" y="3469210"/>
+            <a:ext cx="951804" cy="461667"/>
           </a:xfrm>
           <a:prstGeom prst="rect">
             <a:avLst/>
@@ -3123,14 +3124,14 @@
           <a:noFill/>
         </p:spPr>
         <p:txBody>
-          <a:bodyPr wrap="square" lIns="91440" tIns="45720" rIns="91440" bIns="45720">
+          <a:bodyPr wrap="square" lIns="91440" tIns="45721" rIns="91440" bIns="45721">
             <a:spAutoFit/>
           </a:bodyPr>
           <a:lstStyle/>
           <a:p>
             <a:pPr algn="ctr"/>
             <a:r>
-              <a:rPr lang="es-ES" sz="2400" b="0" cap="none" spc="0" dirty="0" smtClean="0">
+              <a:rPr lang="es-ES" sz="2400" dirty="0">
                 <a:ln w="0"/>
                 <a:gradFill>
                   <a:gsLst>
@@ -3157,31 +3158,6 @@
               </a:rPr>
               <a:t>2018</a:t>
             </a:r>
-            <a:endParaRPr lang="es-ES" sz="2400" b="0" cap="none" spc="0" dirty="0">
-              <a:ln w="0"/>
-              <a:gradFill>
-                <a:gsLst>
-                  <a:gs pos="0">
-                    <a:schemeClr val="accent5">
-                      <a:lumMod val="50000"/>
-                    </a:schemeClr>
-                  </a:gs>
-                  <a:gs pos="50000">
-                    <a:schemeClr val="accent5"/>
-                  </a:gs>
-                  <a:gs pos="100000">
-                    <a:schemeClr val="accent5">
-                      <a:lumMod val="60000"/>
-                      <a:lumOff val="40000"/>
-                    </a:schemeClr>
-                  </a:gs>
-                </a:gsLst>
-                <a:lin ang="5400000"/>
-              </a:gradFill>
-              <a:effectLst>
-                <a:reflection blurRad="6350" stA="53000" endA="300" endPos="35500" dir="5400000" sy="-90000" algn="bl" rotWithShape="0"/>
-              </a:effectLst>
-            </a:endParaRPr>
           </a:p>
         </p:txBody>
       </p:sp>
@@ -3193,8 +3169,8 @@
         </p:nvSpPr>
         <p:spPr>
           <a:xfrm>
-            <a:off x="2406872" y="481945"/>
-            <a:ext cx="5150065" cy="1737219"/>
+            <a:off x="2406873" y="481946"/>
+            <a:ext cx="5150066" cy="1737220"/>
           </a:xfrm>
           <a:prstGeom prst="wedgeEllipseCallout">
             <a:avLst>
@@ -3231,7 +3207,7 @@
           <a:p>
             <a:pPr algn="ctr"/>
             <a:r>
-              <a:rPr lang="es-CO" sz="2400" dirty="0" smtClean="0">
+              <a:rPr lang="es-CO" sz="2400" dirty="0">
                 <a:solidFill>
                   <a:schemeClr val="tx1"/>
                 </a:solidFill>
@@ -3242,7 +3218,7 @@
           <a:p>
             <a:pPr algn="ctr"/>
             <a:r>
-              <a:rPr lang="es-CO" sz="2400" dirty="0" err="1" smtClean="0">
+              <a:rPr lang="es-CO" sz="2400" dirty="0" err="1">
                 <a:solidFill>
                   <a:schemeClr val="accent1">
                     <a:lumMod val="75000"/>
@@ -3252,7 +3228,7 @@
               <a:t>useR</a:t>
             </a:r>
             <a:r>
-              <a:rPr lang="es-CO" sz="2400" dirty="0" smtClean="0">
+              <a:rPr lang="es-CO" sz="2400" dirty="0">
                 <a:solidFill>
                   <a:schemeClr val="accent1">
                     <a:lumMod val="75000"/>
@@ -3281,13 +3257,6 @@
   <p:clrMapOvr>
     <a:masterClrMapping/>
   </p:clrMapOvr>
-  <p:timing>
-    <p:tnLst>
-      <p:par>
-        <p:cTn id="1" dur="indefinite" restart="never" nodeType="tmRoot"/>
-      </p:par>
-    </p:tnLst>
-  </p:timing>
 </p:sld>
 </file>
 
@@ -3324,8 +3293,8 @@
         </p:blipFill>
         <p:spPr>
           <a:xfrm>
-            <a:off x="1177461" y="3543300"/>
-            <a:ext cx="3086100" cy="2819400"/>
+            <a:off x="1177462" y="3543301"/>
+            <a:ext cx="3086100" cy="2819401"/>
           </a:xfrm>
           <a:prstGeom prst="rect">
             <a:avLst/>
@@ -3340,8 +3309,8 @@
         </p:nvSpPr>
         <p:spPr>
           <a:xfrm>
-            <a:off x="430927" y="252250"/>
-            <a:ext cx="5150065" cy="1840792"/>
+            <a:off x="430928" y="252250"/>
+            <a:ext cx="5150066" cy="1840793"/>
           </a:xfrm>
           <a:prstGeom prst="wedgeEllipseCallout">
             <a:avLst>
@@ -3378,39 +3347,18 @@
           <a:p>
             <a:pPr algn="ctr"/>
             <a:r>
-              <a:rPr lang="es-CO" sz="2400" dirty="0" smtClean="0">
+              <a:rPr lang="es-CO" sz="2400" dirty="0">
                 <a:solidFill>
                   <a:schemeClr val="tx1"/>
                 </a:solidFill>
               </a:rPr>
-              <a:t>En este </a:t>
-            </a:r>
-            <a:r>
-              <a:rPr lang="es-CO" sz="2400" dirty="0" smtClean="0">
-                <a:solidFill>
-                  <a:schemeClr val="tx1"/>
-                </a:solidFill>
-              </a:rPr>
-              <a:t>semestre vamos a explorar los avances de R presentados </a:t>
-            </a:r>
-            <a:r>
-              <a:rPr lang="es-CO" sz="2400" dirty="0" smtClean="0">
-                <a:solidFill>
-                  <a:schemeClr val="tx1"/>
-                </a:solidFill>
-              </a:rPr>
-              <a:t>en el evento </a:t>
-            </a:r>
-            <a:endParaRPr lang="es-CO" sz="2400" dirty="0" smtClean="0">
-              <a:solidFill>
-                <a:schemeClr val="tx1"/>
-              </a:solidFill>
-            </a:endParaRPr>
+              <a:t>En este semestre vamos a explorar los avances de R presentados en el evento </a:t>
+            </a:r>
           </a:p>
           <a:p>
             <a:pPr algn="ctr"/>
             <a:r>
-              <a:rPr lang="es-CO" sz="2800" dirty="0" err="1" smtClean="0">
+              <a:rPr lang="es-CO" sz="2800" dirty="0" err="1">
                 <a:solidFill>
                   <a:schemeClr val="accent1">
                     <a:lumMod val="75000"/>
@@ -3420,7 +3368,7 @@
               <a:t>useR</a:t>
             </a:r>
             <a:r>
-              <a:rPr lang="es-CO" sz="2800" dirty="0" smtClean="0">
+              <a:rPr lang="es-CO" sz="2800" dirty="0">
                 <a:solidFill>
                   <a:schemeClr val="accent1">
                     <a:lumMod val="75000"/>
@@ -3460,8 +3408,8 @@
         </p:blipFill>
         <p:spPr bwMode="auto">
           <a:xfrm rot="21131412">
-            <a:off x="1564492" y="4739556"/>
-            <a:ext cx="629839" cy="608245"/>
+            <a:off x="1564493" y="4739557"/>
+            <a:ext cx="629838" cy="608245"/>
           </a:xfrm>
           <a:prstGeom prst="rect">
             <a:avLst/>
@@ -3488,13 +3436,154 @@
   <p:clrMapOvr>
     <a:masterClrMapping/>
   </p:clrMapOvr>
-  <p:timing>
-    <p:tnLst>
-      <p:par>
-        <p:cTn id="1" dur="indefinite" restart="never" nodeType="tmRoot"/>
-      </p:par>
-    </p:tnLst>
-  </p:timing>
+</p:sld>
+</file>
+
+<file path=ppt/slides/slide3.xml><?xml version="1.0" encoding="utf-8"?>
+<p:sld xmlns:a="http://schemas.openxmlformats.org/drawingml/2006/main" xmlns:r="http://schemas.openxmlformats.org/officeDocument/2006/relationships" xmlns:p="http://schemas.openxmlformats.org/presentationml/2006/main">
+  <p:cSld>
+    <p:spTree>
+      <p:nvGrpSpPr>
+        <p:cNvPr id="1" name=""/>
+        <p:cNvGrpSpPr/>
+        <p:nvPr/>
+      </p:nvGrpSpPr>
+      <p:grpSpPr>
+        <a:xfrm>
+          <a:off x="0" y="0"/>
+          <a:ext cx="0" cy="0"/>
+          <a:chOff x="0" y="0"/>
+          <a:chExt cx="0" cy="0"/>
+        </a:xfrm>
+      </p:grpSpPr>
+      <p:pic>
+        <p:nvPicPr>
+          <p:cNvPr id="3" name="Picture 2" descr="A picture containing diagram&#10;&#10;Description automatically generated">
+            <a:extLst>
+              <a:ext uri="{FF2B5EF4-FFF2-40B4-BE49-F238E27FC236}">
+                <a16:creationId xmlns:a16="http://schemas.microsoft.com/office/drawing/2014/main" id="{7A9C9DEF-5F7B-4794-BD3D-98B3B6A76C82}"/>
+              </a:ext>
+            </a:extLst>
+          </p:cNvPr>
+          <p:cNvPicPr>
+            <a:picLocks noChangeAspect="1"/>
+          </p:cNvPicPr>
+          <p:nvPr/>
+        </p:nvPicPr>
+        <p:blipFill rotWithShape="1">
+          <a:blip r:embed="rId2" cstate="print">
+            <a:extLst>
+              <a:ext uri="{28A0092B-C50C-407E-A947-70E740481C1C}">
+                <a14:useLocalDpi xmlns:a14="http://schemas.microsoft.com/office/drawing/2010/main" val="0"/>
+              </a:ext>
+            </a:extLst>
+          </a:blip>
+          <a:srcRect b="7851"/>
+          <a:stretch/>
+        </p:blipFill>
+        <p:spPr>
+          <a:xfrm>
+            <a:off x="0" y="0"/>
+            <a:ext cx="5429820" cy="6319520"/>
+          </a:xfrm>
+          <a:prstGeom prst="rect">
+            <a:avLst/>
+          </a:prstGeom>
+        </p:spPr>
+      </p:pic>
+      <p:pic>
+        <p:nvPicPr>
+          <p:cNvPr id="5" name="Picture 4" descr="Icon&#10;&#10;Description automatically generated">
+            <a:extLst>
+              <a:ext uri="{FF2B5EF4-FFF2-40B4-BE49-F238E27FC236}">
+                <a16:creationId xmlns:a16="http://schemas.microsoft.com/office/drawing/2014/main" id="{3D4C2D08-BBC3-42DE-A107-DD6080B442A7}"/>
+              </a:ext>
+            </a:extLst>
+          </p:cNvPr>
+          <p:cNvPicPr>
+            <a:picLocks noChangeAspect="1"/>
+          </p:cNvPicPr>
+          <p:nvPr/>
+        </p:nvPicPr>
+        <p:blipFill>
+          <a:blip r:embed="rId3" cstate="print">
+            <a:extLst>
+              <a:ext uri="{28A0092B-C50C-407E-A947-70E740481C1C}">
+                <a14:useLocalDpi xmlns:a14="http://schemas.microsoft.com/office/drawing/2010/main" val="0"/>
+              </a:ext>
+            </a:extLst>
+          </a:blip>
+          <a:stretch>
+            <a:fillRect/>
+          </a:stretch>
+        </p:blipFill>
+        <p:spPr>
+          <a:xfrm>
+            <a:off x="3937000" y="4866640"/>
+            <a:ext cx="1341120" cy="1341120"/>
+          </a:xfrm>
+          <a:prstGeom prst="rect">
+            <a:avLst/>
+          </a:prstGeom>
+        </p:spPr>
+      </p:pic>
+      <p:pic>
+        <p:nvPicPr>
+          <p:cNvPr id="1026" name="Picture 2" descr="Welcome to Efficient R Programming">
+            <a:extLst>
+              <a:ext uri="{FF2B5EF4-FFF2-40B4-BE49-F238E27FC236}">
+                <a16:creationId xmlns:a16="http://schemas.microsoft.com/office/drawing/2014/main" id="{EB038ECF-5A5A-4680-BDC8-294A84F28E1C}"/>
+              </a:ext>
+            </a:extLst>
+          </p:cNvPr>
+          <p:cNvPicPr>
+            <a:picLocks noChangeAspect="1" noChangeArrowheads="1"/>
+          </p:cNvPicPr>
+          <p:nvPr/>
+        </p:nvPicPr>
+        <p:blipFill>
+          <a:blip r:embed="rId4" cstate="print">
+            <a:extLst>
+              <a:ext uri="{28A0092B-C50C-407E-A947-70E740481C1C}">
+                <a14:useLocalDpi xmlns:a14="http://schemas.microsoft.com/office/drawing/2010/main" val="0"/>
+              </a:ext>
+            </a:extLst>
+          </a:blip>
+          <a:srcRect/>
+          <a:stretch>
+            <a:fillRect/>
+          </a:stretch>
+        </p:blipFill>
+        <p:spPr bwMode="auto">
+          <a:xfrm>
+            <a:off x="1792774" y="2241345"/>
+            <a:ext cx="1882502" cy="2470355"/>
+          </a:xfrm>
+          <a:prstGeom prst="rect">
+            <a:avLst/>
+          </a:prstGeom>
+          <a:noFill/>
+          <a:extLst>
+            <a:ext uri="{909E8E84-426E-40DD-AFC4-6F175D3DCCD1}">
+              <a14:hiddenFill xmlns:a14="http://schemas.microsoft.com/office/drawing/2010/main">
+                <a:solidFill>
+                  <a:srgbClr val="FFFFFF"/>
+                </a:solidFill>
+              </a14:hiddenFill>
+            </a:ext>
+          </a:extLst>
+        </p:spPr>
+      </p:pic>
+    </p:spTree>
+    <p:extLst>
+      <p:ext uri="{BB962C8B-B14F-4D97-AF65-F5344CB8AC3E}">
+        <p14:creationId xmlns:p14="http://schemas.microsoft.com/office/powerpoint/2010/main" val="2336330106"/>
+      </p:ext>
+    </p:extLst>
+  </p:cSld>
+  <p:clrMapOvr>
+    <a:masterClrMapping/>
+  </p:clrMapOvr>
 </p:sld>
 </file>
 

--- a/imagenes/Invtitation.pptx
+++ b/imagenes/Invtitation.pptx
@@ -8,6 +8,7 @@
     <p:sldId id="256" r:id="rId2"/>
     <p:sldId id="257" r:id="rId3"/>
     <p:sldId id="258" r:id="rId4"/>
+    <p:sldId id="259" r:id="rId5"/>
   </p:sldIdLst>
   <p:sldSz cx="12192000" cy="6858000"/>
   <p:notesSz cx="9144000" cy="6858000"/>
@@ -256,7 +257,7 @@
           <a:p>
             <a:fld id="{662D30CF-6288-487A-96F5-CD6A5C538736}" type="datetimeFigureOut">
               <a:rPr lang="en-AU" smtClean="0"/>
-              <a:t>4/03/2022</a:t>
+              <a:t>7/03/2022</a:t>
             </a:fld>
             <a:endParaRPr lang="en-AU"/>
           </a:p>
@@ -426,7 +427,7 @@
           <a:p>
             <a:fld id="{662D30CF-6288-487A-96F5-CD6A5C538736}" type="datetimeFigureOut">
               <a:rPr lang="en-AU" smtClean="0"/>
-              <a:t>4/03/2022</a:t>
+              <a:t>7/03/2022</a:t>
             </a:fld>
             <a:endParaRPr lang="en-AU"/>
           </a:p>
@@ -606,7 +607,7 @@
           <a:p>
             <a:fld id="{662D30CF-6288-487A-96F5-CD6A5C538736}" type="datetimeFigureOut">
               <a:rPr lang="en-AU" smtClean="0"/>
-              <a:t>4/03/2022</a:t>
+              <a:t>7/03/2022</a:t>
             </a:fld>
             <a:endParaRPr lang="en-AU"/>
           </a:p>
@@ -776,7 +777,7 @@
           <a:p>
             <a:fld id="{662D30CF-6288-487A-96F5-CD6A5C538736}" type="datetimeFigureOut">
               <a:rPr lang="en-AU" smtClean="0"/>
-              <a:t>4/03/2022</a:t>
+              <a:t>7/03/2022</a:t>
             </a:fld>
             <a:endParaRPr lang="en-AU"/>
           </a:p>
@@ -1022,7 +1023,7 @@
           <a:p>
             <a:fld id="{662D30CF-6288-487A-96F5-CD6A5C538736}" type="datetimeFigureOut">
               <a:rPr lang="en-AU" smtClean="0"/>
-              <a:t>4/03/2022</a:t>
+              <a:t>7/03/2022</a:t>
             </a:fld>
             <a:endParaRPr lang="en-AU"/>
           </a:p>
@@ -1254,7 +1255,7 @@
           <a:p>
             <a:fld id="{662D30CF-6288-487A-96F5-CD6A5C538736}" type="datetimeFigureOut">
               <a:rPr lang="en-AU" smtClean="0"/>
-              <a:t>4/03/2022</a:t>
+              <a:t>7/03/2022</a:t>
             </a:fld>
             <a:endParaRPr lang="en-AU"/>
           </a:p>
@@ -1621,7 +1622,7 @@
           <a:p>
             <a:fld id="{662D30CF-6288-487A-96F5-CD6A5C538736}" type="datetimeFigureOut">
               <a:rPr lang="en-AU" smtClean="0"/>
-              <a:t>4/03/2022</a:t>
+              <a:t>7/03/2022</a:t>
             </a:fld>
             <a:endParaRPr lang="en-AU"/>
           </a:p>
@@ -1739,7 +1740,7 @@
           <a:p>
             <a:fld id="{662D30CF-6288-487A-96F5-CD6A5C538736}" type="datetimeFigureOut">
               <a:rPr lang="en-AU" smtClean="0"/>
-              <a:t>4/03/2022</a:t>
+              <a:t>7/03/2022</a:t>
             </a:fld>
             <a:endParaRPr lang="en-AU"/>
           </a:p>
@@ -1834,7 +1835,7 @@
           <a:p>
             <a:fld id="{662D30CF-6288-487A-96F5-CD6A5C538736}" type="datetimeFigureOut">
               <a:rPr lang="en-AU" smtClean="0"/>
-              <a:t>4/03/2022</a:t>
+              <a:t>7/03/2022</a:t>
             </a:fld>
             <a:endParaRPr lang="en-AU"/>
           </a:p>
@@ -2111,7 +2112,7 @@
           <a:p>
             <a:fld id="{662D30CF-6288-487A-96F5-CD6A5C538736}" type="datetimeFigureOut">
               <a:rPr lang="en-AU" smtClean="0"/>
-              <a:t>4/03/2022</a:t>
+              <a:t>7/03/2022</a:t>
             </a:fld>
             <a:endParaRPr lang="en-AU"/>
           </a:p>
@@ -2364,7 +2365,7 @@
           <a:p>
             <a:fld id="{662D30CF-6288-487A-96F5-CD6A5C538736}" type="datetimeFigureOut">
               <a:rPr lang="en-AU" smtClean="0"/>
-              <a:t>4/03/2022</a:t>
+              <a:t>7/03/2022</a:t>
             </a:fld>
             <a:endParaRPr lang="en-AU"/>
           </a:p>
@@ -2577,7 +2578,7 @@
           <a:p>
             <a:fld id="{662D30CF-6288-487A-96F5-CD6A5C538736}" type="datetimeFigureOut">
               <a:rPr lang="en-AU" smtClean="0"/>
-              <a:t>4/03/2022</a:t>
+              <a:t>7/03/2022</a:t>
             </a:fld>
             <a:endParaRPr lang="en-AU"/>
           </a:p>
@@ -3587,6 +3588,245 @@
 </p:sld>
 </file>
 
+<file path=ppt/slides/slide4.xml><?xml version="1.0" encoding="utf-8"?>
+<p:sld xmlns:a="http://schemas.openxmlformats.org/drawingml/2006/main" xmlns:r="http://schemas.openxmlformats.org/officeDocument/2006/relationships" xmlns:p="http://schemas.openxmlformats.org/presentationml/2006/main">
+  <p:cSld>
+    <p:bg>
+      <p:bgPr>
+        <a:solidFill>
+          <a:srgbClr val="F1ECE3"/>
+        </a:solidFill>
+        <a:effectLst/>
+      </p:bgPr>
+    </p:bg>
+    <p:spTree>
+      <p:nvGrpSpPr>
+        <p:cNvPr id="1" name=""/>
+        <p:cNvGrpSpPr/>
+        <p:nvPr/>
+      </p:nvGrpSpPr>
+      <p:grpSpPr>
+        <a:xfrm>
+          <a:off x="0" y="0"/>
+          <a:ext cx="0" cy="0"/>
+          <a:chOff x="0" y="0"/>
+          <a:chExt cx="0" cy="0"/>
+        </a:xfrm>
+      </p:grpSpPr>
+      <p:pic>
+        <p:nvPicPr>
+          <p:cNvPr id="3" name="Picture 2" descr="A picture containing diagram&#10;&#10;Description automatically generated">
+            <a:extLst>
+              <a:ext uri="{FF2B5EF4-FFF2-40B4-BE49-F238E27FC236}">
+                <a16:creationId xmlns:a16="http://schemas.microsoft.com/office/drawing/2014/main" id="{7A9C9DEF-5F7B-4794-BD3D-98B3B6A76C82}"/>
+              </a:ext>
+            </a:extLst>
+          </p:cNvPr>
+          <p:cNvPicPr>
+            <a:picLocks noChangeAspect="1"/>
+          </p:cNvPicPr>
+          <p:nvPr/>
+        </p:nvPicPr>
+        <p:blipFill rotWithShape="1">
+          <a:blip r:embed="rId2" cstate="print">
+            <a:extLst>
+              <a:ext uri="{28A0092B-C50C-407E-A947-70E740481C1C}">
+                <a14:useLocalDpi xmlns:a14="http://schemas.microsoft.com/office/drawing/2010/main" val="0"/>
+              </a:ext>
+            </a:extLst>
+          </a:blip>
+          <a:srcRect b="7851"/>
+          <a:stretch/>
+        </p:blipFill>
+        <p:spPr>
+          <a:xfrm>
+            <a:off x="0" y="0"/>
+            <a:ext cx="5429820" cy="6319520"/>
+          </a:xfrm>
+          <a:prstGeom prst="rect">
+            <a:avLst/>
+          </a:prstGeom>
+        </p:spPr>
+      </p:pic>
+      <p:pic>
+        <p:nvPicPr>
+          <p:cNvPr id="5" name="Picture 4" descr="Icon&#10;&#10;Description automatically generated">
+            <a:extLst>
+              <a:ext uri="{FF2B5EF4-FFF2-40B4-BE49-F238E27FC236}">
+                <a16:creationId xmlns:a16="http://schemas.microsoft.com/office/drawing/2014/main" id="{3D4C2D08-BBC3-42DE-A107-DD6080B442A7}"/>
+              </a:ext>
+            </a:extLst>
+          </p:cNvPr>
+          <p:cNvPicPr>
+            <a:picLocks noChangeAspect="1"/>
+          </p:cNvPicPr>
+          <p:nvPr/>
+        </p:nvPicPr>
+        <p:blipFill>
+          <a:blip r:embed="rId3" cstate="print">
+            <a:extLst>
+              <a:ext uri="{28A0092B-C50C-407E-A947-70E740481C1C}">
+                <a14:useLocalDpi xmlns:a14="http://schemas.microsoft.com/office/drawing/2010/main" val="0"/>
+              </a:ext>
+            </a:extLst>
+          </a:blip>
+          <a:stretch>
+            <a:fillRect/>
+          </a:stretch>
+        </p:blipFill>
+        <p:spPr>
+          <a:xfrm>
+            <a:off x="3937000" y="4866640"/>
+            <a:ext cx="1341120" cy="1341120"/>
+          </a:xfrm>
+          <a:prstGeom prst="rect">
+            <a:avLst/>
+          </a:prstGeom>
+        </p:spPr>
+      </p:pic>
+      <p:pic>
+        <p:nvPicPr>
+          <p:cNvPr id="1026" name="Picture 2" descr="Welcome to Efficient R Programming">
+            <a:extLst>
+              <a:ext uri="{FF2B5EF4-FFF2-40B4-BE49-F238E27FC236}">
+                <a16:creationId xmlns:a16="http://schemas.microsoft.com/office/drawing/2014/main" id="{EB038ECF-5A5A-4680-BDC8-294A84F28E1C}"/>
+              </a:ext>
+            </a:extLst>
+          </p:cNvPr>
+          <p:cNvPicPr>
+            <a:picLocks noChangeAspect="1" noChangeArrowheads="1"/>
+          </p:cNvPicPr>
+          <p:nvPr/>
+        </p:nvPicPr>
+        <p:blipFill>
+          <a:blip r:embed="rId4" cstate="print">
+            <a:extLst>
+              <a:ext uri="{28A0092B-C50C-407E-A947-70E740481C1C}">
+                <a14:useLocalDpi xmlns:a14="http://schemas.microsoft.com/office/drawing/2010/main" val="0"/>
+              </a:ext>
+            </a:extLst>
+          </a:blip>
+          <a:srcRect/>
+          <a:stretch>
+            <a:fillRect/>
+          </a:stretch>
+        </p:blipFill>
+        <p:spPr bwMode="auto">
+          <a:xfrm>
+            <a:off x="1792774" y="2241345"/>
+            <a:ext cx="1882502" cy="2470355"/>
+          </a:xfrm>
+          <a:prstGeom prst="rect">
+            <a:avLst/>
+          </a:prstGeom>
+          <a:noFill/>
+          <a:extLst>
+            <a:ext uri="{909E8E84-426E-40DD-AFC4-6F175D3DCCD1}">
+              <a14:hiddenFill xmlns:a14="http://schemas.microsoft.com/office/drawing/2010/main">
+                <a:solidFill>
+                  <a:srgbClr val="FFFFFF"/>
+                </a:solidFill>
+              </a14:hiddenFill>
+            </a:ext>
+          </a:extLst>
+        </p:spPr>
+      </p:pic>
+      <p:sp>
+        <p:nvSpPr>
+          <p:cNvPr id="2" name="TextBox 1">
+            <a:extLst>
+              <a:ext uri="{FF2B5EF4-FFF2-40B4-BE49-F238E27FC236}">
+                <a16:creationId xmlns:a16="http://schemas.microsoft.com/office/drawing/2014/main" id="{4DE400AE-E2D7-4779-B399-B15CC92808F5}"/>
+              </a:ext>
+            </a:extLst>
+          </p:cNvPr>
+          <p:cNvSpPr txBox="1"/>
+          <p:nvPr/>
+        </p:nvSpPr>
+        <p:spPr>
+          <a:xfrm>
+            <a:off x="1309831" y="6339840"/>
+            <a:ext cx="2268698" cy="369332"/>
+          </a:xfrm>
+          <a:prstGeom prst="rect">
+            <a:avLst/>
+          </a:prstGeom>
+          <a:noFill/>
+        </p:spPr>
+        <p:txBody>
+          <a:bodyPr wrap="none" rtlCol="0">
+            <a:spAutoFit/>
+          </a:bodyPr>
+          <a:lstStyle/>
+          <a:p>
+            <a:r>
+              <a:rPr lang="es-419" dirty="0"/>
+              <a:t>Para más información </a:t>
+            </a:r>
+            <a:endParaRPr lang="es-ES" dirty="0"/>
+          </a:p>
+        </p:txBody>
+      </p:sp>
+      <p:pic>
+        <p:nvPicPr>
+          <p:cNvPr id="4" name="Picture 2" descr="Flecha Negra Clic PNG transparente - StickPNG">
+            <a:extLst>
+              <a:ext uri="{FF2B5EF4-FFF2-40B4-BE49-F238E27FC236}">
+                <a16:creationId xmlns:a16="http://schemas.microsoft.com/office/drawing/2014/main" id="{022D0BBC-EE3C-4B5D-B274-EB8C710850E3}"/>
+              </a:ext>
+            </a:extLst>
+          </p:cNvPr>
+          <p:cNvPicPr>
+            <a:picLocks noChangeAspect="1" noChangeArrowheads="1"/>
+          </p:cNvPicPr>
+          <p:nvPr/>
+        </p:nvPicPr>
+        <p:blipFill>
+          <a:blip r:embed="rId5" cstate="print">
+            <a:extLst>
+              <a:ext uri="{28A0092B-C50C-407E-A947-70E740481C1C}">
+                <a14:useLocalDpi xmlns:a14="http://schemas.microsoft.com/office/drawing/2010/main" val="0"/>
+              </a:ext>
+            </a:extLst>
+          </a:blip>
+          <a:srcRect/>
+          <a:stretch>
+            <a:fillRect/>
+          </a:stretch>
+        </p:blipFill>
+        <p:spPr bwMode="auto">
+          <a:xfrm>
+            <a:off x="3578529" y="6312932"/>
+            <a:ext cx="513080" cy="513080"/>
+          </a:xfrm>
+          <a:prstGeom prst="rect">
+            <a:avLst/>
+          </a:prstGeom>
+          <a:noFill/>
+          <a:extLst>
+            <a:ext uri="{909E8E84-426E-40DD-AFC4-6F175D3DCCD1}">
+              <a14:hiddenFill xmlns:a14="http://schemas.microsoft.com/office/drawing/2010/main">
+                <a:solidFill>
+                  <a:srgbClr val="FFFFFF"/>
+                </a:solidFill>
+              </a14:hiddenFill>
+            </a:ext>
+          </a:extLst>
+        </p:spPr>
+      </p:pic>
+    </p:spTree>
+    <p:extLst>
+      <p:ext uri="{BB962C8B-B14F-4D97-AF65-F5344CB8AC3E}">
+        <p14:creationId xmlns:p14="http://schemas.microsoft.com/office/powerpoint/2010/main" val="392882178"/>
+      </p:ext>
+    </p:extLst>
+  </p:cSld>
+  <p:clrMapOvr>
+    <a:masterClrMapping/>
+  </p:clrMapOvr>
+</p:sld>
+</file>
+
 <file path=ppt/theme/theme1.xml><?xml version="1.0" encoding="utf-8"?>
 <a:theme xmlns:a="http://schemas.openxmlformats.org/drawingml/2006/main" name="Tema de Office">
   <a:themeElements>

--- a/imagenes/Invtitation.pptx
+++ b/imagenes/Invtitation.pptx
@@ -9,6 +9,8 @@
     <p:sldId id="257" r:id="rId3"/>
     <p:sldId id="258" r:id="rId4"/>
     <p:sldId id="259" r:id="rId5"/>
+    <p:sldId id="260" r:id="rId6"/>
+    <p:sldId id="261" r:id="rId7"/>
   </p:sldIdLst>
   <p:sldSz cx="12192000" cy="6858000"/>
   <p:notesSz cx="9144000" cy="6858000"/>
@@ -257,7 +259,7 @@
           <a:p>
             <a:fld id="{662D30CF-6288-487A-96F5-CD6A5C538736}" type="datetimeFigureOut">
               <a:rPr lang="en-AU" smtClean="0"/>
-              <a:t>7/03/2022</a:t>
+              <a:t>9/03/2022</a:t>
             </a:fld>
             <a:endParaRPr lang="en-AU"/>
           </a:p>
@@ -427,7 +429,7 @@
           <a:p>
             <a:fld id="{662D30CF-6288-487A-96F5-CD6A5C538736}" type="datetimeFigureOut">
               <a:rPr lang="en-AU" smtClean="0"/>
-              <a:t>7/03/2022</a:t>
+              <a:t>9/03/2022</a:t>
             </a:fld>
             <a:endParaRPr lang="en-AU"/>
           </a:p>
@@ -607,7 +609,7 @@
           <a:p>
             <a:fld id="{662D30CF-6288-487A-96F5-CD6A5C538736}" type="datetimeFigureOut">
               <a:rPr lang="en-AU" smtClean="0"/>
-              <a:t>7/03/2022</a:t>
+              <a:t>9/03/2022</a:t>
             </a:fld>
             <a:endParaRPr lang="en-AU"/>
           </a:p>
@@ -777,7 +779,7 @@
           <a:p>
             <a:fld id="{662D30CF-6288-487A-96F5-CD6A5C538736}" type="datetimeFigureOut">
               <a:rPr lang="en-AU" smtClean="0"/>
-              <a:t>7/03/2022</a:t>
+              <a:t>9/03/2022</a:t>
             </a:fld>
             <a:endParaRPr lang="en-AU"/>
           </a:p>
@@ -1023,7 +1025,7 @@
           <a:p>
             <a:fld id="{662D30CF-6288-487A-96F5-CD6A5C538736}" type="datetimeFigureOut">
               <a:rPr lang="en-AU" smtClean="0"/>
-              <a:t>7/03/2022</a:t>
+              <a:t>9/03/2022</a:t>
             </a:fld>
             <a:endParaRPr lang="en-AU"/>
           </a:p>
@@ -1255,7 +1257,7 @@
           <a:p>
             <a:fld id="{662D30CF-6288-487A-96F5-CD6A5C538736}" type="datetimeFigureOut">
               <a:rPr lang="en-AU" smtClean="0"/>
-              <a:t>7/03/2022</a:t>
+              <a:t>9/03/2022</a:t>
             </a:fld>
             <a:endParaRPr lang="en-AU"/>
           </a:p>
@@ -1622,7 +1624,7 @@
           <a:p>
             <a:fld id="{662D30CF-6288-487A-96F5-CD6A5C538736}" type="datetimeFigureOut">
               <a:rPr lang="en-AU" smtClean="0"/>
-              <a:t>7/03/2022</a:t>
+              <a:t>9/03/2022</a:t>
             </a:fld>
             <a:endParaRPr lang="en-AU"/>
           </a:p>
@@ -1740,7 +1742,7 @@
           <a:p>
             <a:fld id="{662D30CF-6288-487A-96F5-CD6A5C538736}" type="datetimeFigureOut">
               <a:rPr lang="en-AU" smtClean="0"/>
-              <a:t>7/03/2022</a:t>
+              <a:t>9/03/2022</a:t>
             </a:fld>
             <a:endParaRPr lang="en-AU"/>
           </a:p>
@@ -1835,7 +1837,7 @@
           <a:p>
             <a:fld id="{662D30CF-6288-487A-96F5-CD6A5C538736}" type="datetimeFigureOut">
               <a:rPr lang="en-AU" smtClean="0"/>
-              <a:t>7/03/2022</a:t>
+              <a:t>9/03/2022</a:t>
             </a:fld>
             <a:endParaRPr lang="en-AU"/>
           </a:p>
@@ -2112,7 +2114,7 @@
           <a:p>
             <a:fld id="{662D30CF-6288-487A-96F5-CD6A5C538736}" type="datetimeFigureOut">
               <a:rPr lang="en-AU" smtClean="0"/>
-              <a:t>7/03/2022</a:t>
+              <a:t>9/03/2022</a:t>
             </a:fld>
             <a:endParaRPr lang="en-AU"/>
           </a:p>
@@ -2365,7 +2367,7 @@
           <a:p>
             <a:fld id="{662D30CF-6288-487A-96F5-CD6A5C538736}" type="datetimeFigureOut">
               <a:rPr lang="en-AU" smtClean="0"/>
-              <a:t>7/03/2022</a:t>
+              <a:t>9/03/2022</a:t>
             </a:fld>
             <a:endParaRPr lang="en-AU"/>
           </a:p>
@@ -2578,7 +2580,7 @@
           <a:p>
             <a:fld id="{662D30CF-6288-487A-96F5-CD6A5C538736}" type="datetimeFigureOut">
               <a:rPr lang="en-AU" smtClean="0"/>
-              <a:t>7/03/2022</a:t>
+              <a:t>9/03/2022</a:t>
             </a:fld>
             <a:endParaRPr lang="en-AU"/>
           </a:p>
@@ -3827,6 +3829,475 @@
 </p:sld>
 </file>
 
+<file path=ppt/slides/slide5.xml><?xml version="1.0" encoding="utf-8"?>
+<p:sld xmlns:a="http://schemas.openxmlformats.org/drawingml/2006/main" xmlns:r="http://schemas.openxmlformats.org/officeDocument/2006/relationships" xmlns:p="http://schemas.openxmlformats.org/presentationml/2006/main">
+  <p:cSld>
+    <p:bg>
+      <p:bgPr>
+        <a:solidFill>
+          <a:srgbClr val="F1ECE3"/>
+        </a:solidFill>
+        <a:effectLst/>
+      </p:bgPr>
+    </p:bg>
+    <p:spTree>
+      <p:nvGrpSpPr>
+        <p:cNvPr id="1" name=""/>
+        <p:cNvGrpSpPr/>
+        <p:nvPr/>
+      </p:nvGrpSpPr>
+      <p:grpSpPr>
+        <a:xfrm>
+          <a:off x="0" y="0"/>
+          <a:ext cx="0" cy="0"/>
+          <a:chOff x="0" y="0"/>
+          <a:chExt cx="0" cy="0"/>
+        </a:xfrm>
+      </p:grpSpPr>
+      <p:pic>
+        <p:nvPicPr>
+          <p:cNvPr id="9" name="Picture 8" descr="A picture containing logo&#10;&#10;Description automatically generated">
+            <a:extLst>
+              <a:ext uri="{FF2B5EF4-FFF2-40B4-BE49-F238E27FC236}">
+                <a16:creationId xmlns:a16="http://schemas.microsoft.com/office/drawing/2014/main" id="{6B8B7629-266D-4AD1-A3DD-53E79609AE36}"/>
+              </a:ext>
+            </a:extLst>
+          </p:cNvPr>
+          <p:cNvPicPr>
+            <a:picLocks noChangeAspect="1"/>
+          </p:cNvPicPr>
+          <p:nvPr/>
+        </p:nvPicPr>
+        <p:blipFill>
+          <a:blip r:embed="rId2" cstate="print">
+            <a:extLst>
+              <a:ext uri="{28A0092B-C50C-407E-A947-70E740481C1C}">
+                <a14:useLocalDpi xmlns:a14="http://schemas.microsoft.com/office/drawing/2010/main" val="0"/>
+              </a:ext>
+            </a:extLst>
+          </a:blip>
+          <a:stretch>
+            <a:fillRect/>
+          </a:stretch>
+        </p:blipFill>
+        <p:spPr>
+          <a:xfrm>
+            <a:off x="3810000" y="0"/>
+            <a:ext cx="4572000" cy="6858000"/>
+          </a:xfrm>
+          <a:prstGeom prst="rect">
+            <a:avLst/>
+          </a:prstGeom>
+        </p:spPr>
+      </p:pic>
+      <p:pic>
+        <p:nvPicPr>
+          <p:cNvPr id="5" name="Picture 4" descr="Icon&#10;&#10;Description automatically generated">
+            <a:extLst>
+              <a:ext uri="{FF2B5EF4-FFF2-40B4-BE49-F238E27FC236}">
+                <a16:creationId xmlns:a16="http://schemas.microsoft.com/office/drawing/2014/main" id="{3D4C2D08-BBC3-42DE-A107-DD6080B442A7}"/>
+              </a:ext>
+            </a:extLst>
+          </p:cNvPr>
+          <p:cNvPicPr>
+            <a:picLocks noChangeAspect="1"/>
+          </p:cNvPicPr>
+          <p:nvPr/>
+        </p:nvPicPr>
+        <p:blipFill>
+          <a:blip r:embed="rId3" cstate="print">
+            <a:extLst>
+              <a:ext uri="{28A0092B-C50C-407E-A947-70E740481C1C}">
+                <a14:useLocalDpi xmlns:a14="http://schemas.microsoft.com/office/drawing/2010/main" val="0"/>
+              </a:ext>
+            </a:extLst>
+          </a:blip>
+          <a:stretch>
+            <a:fillRect/>
+          </a:stretch>
+        </p:blipFill>
+        <p:spPr>
+          <a:xfrm>
+            <a:off x="8194367" y="3903079"/>
+            <a:ext cx="1341120" cy="1341120"/>
+          </a:xfrm>
+          <a:prstGeom prst="rect">
+            <a:avLst/>
+          </a:prstGeom>
+        </p:spPr>
+      </p:pic>
+      <p:pic>
+        <p:nvPicPr>
+          <p:cNvPr id="1026" name="Picture 2" descr="Welcome to Efficient R Programming">
+            <a:extLst>
+              <a:ext uri="{FF2B5EF4-FFF2-40B4-BE49-F238E27FC236}">
+                <a16:creationId xmlns:a16="http://schemas.microsoft.com/office/drawing/2014/main" id="{EB038ECF-5A5A-4680-BDC8-294A84F28E1C}"/>
+              </a:ext>
+            </a:extLst>
+          </p:cNvPr>
+          <p:cNvPicPr>
+            <a:picLocks noChangeAspect="1" noChangeArrowheads="1"/>
+          </p:cNvPicPr>
+          <p:nvPr/>
+        </p:nvPicPr>
+        <p:blipFill>
+          <a:blip r:embed="rId4" cstate="print">
+            <a:extLst>
+              <a:ext uri="{28A0092B-C50C-407E-A947-70E740481C1C}">
+                <a14:useLocalDpi xmlns:a14="http://schemas.microsoft.com/office/drawing/2010/main" val="0"/>
+              </a:ext>
+            </a:extLst>
+          </a:blip>
+          <a:srcRect/>
+          <a:stretch>
+            <a:fillRect/>
+          </a:stretch>
+        </p:blipFill>
+        <p:spPr bwMode="auto">
+          <a:xfrm>
+            <a:off x="5168655" y="1952914"/>
+            <a:ext cx="1638545" cy="2150217"/>
+          </a:xfrm>
+          <a:prstGeom prst="rect">
+            <a:avLst/>
+          </a:prstGeom>
+          <a:noFill/>
+          <a:extLst>
+            <a:ext uri="{909E8E84-426E-40DD-AFC4-6F175D3DCCD1}">
+              <a14:hiddenFill xmlns:a14="http://schemas.microsoft.com/office/drawing/2010/main">
+                <a:solidFill>
+                  <a:srgbClr val="FFFFFF"/>
+                </a:solidFill>
+              </a14:hiddenFill>
+            </a:ext>
+          </a:extLst>
+        </p:spPr>
+      </p:pic>
+      <p:sp>
+        <p:nvSpPr>
+          <p:cNvPr id="2" name="TextBox 1">
+            <a:extLst>
+              <a:ext uri="{FF2B5EF4-FFF2-40B4-BE49-F238E27FC236}">
+                <a16:creationId xmlns:a16="http://schemas.microsoft.com/office/drawing/2014/main" id="{4DE400AE-E2D7-4779-B399-B15CC92808F5}"/>
+              </a:ext>
+            </a:extLst>
+          </p:cNvPr>
+          <p:cNvSpPr txBox="1"/>
+          <p:nvPr/>
+        </p:nvSpPr>
+        <p:spPr>
+          <a:xfrm>
+            <a:off x="1309831" y="6339840"/>
+            <a:ext cx="2268698" cy="369332"/>
+          </a:xfrm>
+          <a:prstGeom prst="rect">
+            <a:avLst/>
+          </a:prstGeom>
+          <a:noFill/>
+        </p:spPr>
+        <p:txBody>
+          <a:bodyPr wrap="none" rtlCol="0">
+            <a:spAutoFit/>
+          </a:bodyPr>
+          <a:lstStyle/>
+          <a:p>
+            <a:r>
+              <a:rPr lang="es-419" dirty="0"/>
+              <a:t>Para más información </a:t>
+            </a:r>
+            <a:endParaRPr lang="es-ES" dirty="0"/>
+          </a:p>
+        </p:txBody>
+      </p:sp>
+      <p:pic>
+        <p:nvPicPr>
+          <p:cNvPr id="4" name="Picture 2" descr="Flecha Negra Clic PNG transparente - StickPNG">
+            <a:extLst>
+              <a:ext uri="{FF2B5EF4-FFF2-40B4-BE49-F238E27FC236}">
+                <a16:creationId xmlns:a16="http://schemas.microsoft.com/office/drawing/2014/main" id="{022D0BBC-EE3C-4B5D-B274-EB8C710850E3}"/>
+              </a:ext>
+            </a:extLst>
+          </p:cNvPr>
+          <p:cNvPicPr>
+            <a:picLocks noChangeAspect="1" noChangeArrowheads="1"/>
+          </p:cNvPicPr>
+          <p:nvPr/>
+        </p:nvPicPr>
+        <p:blipFill>
+          <a:blip r:embed="rId5" cstate="print">
+            <a:extLst>
+              <a:ext uri="{28A0092B-C50C-407E-A947-70E740481C1C}">
+                <a14:useLocalDpi xmlns:a14="http://schemas.microsoft.com/office/drawing/2010/main" val="0"/>
+              </a:ext>
+            </a:extLst>
+          </a:blip>
+          <a:srcRect/>
+          <a:stretch>
+            <a:fillRect/>
+          </a:stretch>
+        </p:blipFill>
+        <p:spPr bwMode="auto">
+          <a:xfrm>
+            <a:off x="3578529" y="6312932"/>
+            <a:ext cx="513080" cy="513080"/>
+          </a:xfrm>
+          <a:prstGeom prst="rect">
+            <a:avLst/>
+          </a:prstGeom>
+          <a:noFill/>
+          <a:extLst>
+            <a:ext uri="{909E8E84-426E-40DD-AFC4-6F175D3DCCD1}">
+              <a14:hiddenFill xmlns:a14="http://schemas.microsoft.com/office/drawing/2010/main">
+                <a:solidFill>
+                  <a:srgbClr val="FFFFFF"/>
+                </a:solidFill>
+              </a14:hiddenFill>
+            </a:ext>
+          </a:extLst>
+        </p:spPr>
+      </p:pic>
+    </p:spTree>
+    <p:extLst>
+      <p:ext uri="{BB962C8B-B14F-4D97-AF65-F5344CB8AC3E}">
+        <p14:creationId xmlns:p14="http://schemas.microsoft.com/office/powerpoint/2010/main" val="2043464750"/>
+      </p:ext>
+    </p:extLst>
+  </p:cSld>
+  <p:clrMapOvr>
+    <a:masterClrMapping/>
+  </p:clrMapOvr>
+</p:sld>
+</file>
+
+<file path=ppt/slides/slide6.xml><?xml version="1.0" encoding="utf-8"?>
+<p:sld xmlns:a="http://schemas.openxmlformats.org/drawingml/2006/main" xmlns:r="http://schemas.openxmlformats.org/officeDocument/2006/relationships" xmlns:p="http://schemas.openxmlformats.org/presentationml/2006/main">
+  <p:cSld>
+    <p:bg>
+      <p:bgPr>
+        <a:solidFill>
+          <a:srgbClr val="F1ECE3"/>
+        </a:solidFill>
+        <a:effectLst/>
+      </p:bgPr>
+    </p:bg>
+    <p:spTree>
+      <p:nvGrpSpPr>
+        <p:cNvPr id="1" name=""/>
+        <p:cNvGrpSpPr/>
+        <p:nvPr/>
+      </p:nvGrpSpPr>
+      <p:grpSpPr>
+        <a:xfrm>
+          <a:off x="0" y="0"/>
+          <a:ext cx="0" cy="0"/>
+          <a:chOff x="0" y="0"/>
+          <a:chExt cx="0" cy="0"/>
+        </a:xfrm>
+      </p:grpSpPr>
+      <p:pic>
+        <p:nvPicPr>
+          <p:cNvPr id="6" name="Picture 5" descr="A picture containing logo&#10;&#10;Description automatically generated">
+            <a:extLst>
+              <a:ext uri="{FF2B5EF4-FFF2-40B4-BE49-F238E27FC236}">
+                <a16:creationId xmlns:a16="http://schemas.microsoft.com/office/drawing/2014/main" id="{103EA298-FE11-414A-A23D-34ABB72EF169}"/>
+              </a:ext>
+            </a:extLst>
+          </p:cNvPr>
+          <p:cNvPicPr>
+            <a:picLocks noChangeAspect="1"/>
+          </p:cNvPicPr>
+          <p:nvPr/>
+        </p:nvPicPr>
+        <p:blipFill>
+          <a:blip r:embed="rId2" cstate="print">
+            <a:extLst>
+              <a:ext uri="{28A0092B-C50C-407E-A947-70E740481C1C}">
+                <a14:useLocalDpi xmlns:a14="http://schemas.microsoft.com/office/drawing/2010/main" val="0"/>
+              </a:ext>
+            </a:extLst>
+          </a:blip>
+          <a:stretch>
+            <a:fillRect/>
+          </a:stretch>
+        </p:blipFill>
+        <p:spPr>
+          <a:xfrm>
+            <a:off x="997970" y="0"/>
+            <a:ext cx="4572000" cy="6858000"/>
+          </a:xfrm>
+          <a:prstGeom prst="rect">
+            <a:avLst/>
+          </a:prstGeom>
+        </p:spPr>
+      </p:pic>
+      <p:pic>
+        <p:nvPicPr>
+          <p:cNvPr id="5" name="Picture 4" descr="Icon&#10;&#10;Description automatically generated">
+            <a:extLst>
+              <a:ext uri="{FF2B5EF4-FFF2-40B4-BE49-F238E27FC236}">
+                <a16:creationId xmlns:a16="http://schemas.microsoft.com/office/drawing/2014/main" id="{3D4C2D08-BBC3-42DE-A107-DD6080B442A7}"/>
+              </a:ext>
+            </a:extLst>
+          </p:cNvPr>
+          <p:cNvPicPr>
+            <a:picLocks noChangeAspect="1"/>
+          </p:cNvPicPr>
+          <p:nvPr/>
+        </p:nvPicPr>
+        <p:blipFill>
+          <a:blip r:embed="rId3" cstate="print">
+            <a:extLst>
+              <a:ext uri="{28A0092B-C50C-407E-A947-70E740481C1C}">
+                <a14:useLocalDpi xmlns:a14="http://schemas.microsoft.com/office/drawing/2010/main" val="0"/>
+              </a:ext>
+            </a:extLst>
+          </a:blip>
+          <a:stretch>
+            <a:fillRect/>
+          </a:stretch>
+        </p:blipFill>
+        <p:spPr>
+          <a:xfrm>
+            <a:off x="99137" y="4990199"/>
+            <a:ext cx="1341120" cy="1341120"/>
+          </a:xfrm>
+          <a:prstGeom prst="rect">
+            <a:avLst/>
+          </a:prstGeom>
+        </p:spPr>
+      </p:pic>
+      <p:pic>
+        <p:nvPicPr>
+          <p:cNvPr id="1026" name="Picture 2" descr="Welcome to Efficient R Programming">
+            <a:extLst>
+              <a:ext uri="{FF2B5EF4-FFF2-40B4-BE49-F238E27FC236}">
+                <a16:creationId xmlns:a16="http://schemas.microsoft.com/office/drawing/2014/main" id="{EB038ECF-5A5A-4680-BDC8-294A84F28E1C}"/>
+              </a:ext>
+            </a:extLst>
+          </p:cNvPr>
+          <p:cNvPicPr>
+            <a:picLocks noChangeAspect="1" noChangeArrowheads="1"/>
+          </p:cNvPicPr>
+          <p:nvPr/>
+        </p:nvPicPr>
+        <p:blipFill>
+          <a:blip r:embed="rId4" cstate="print">
+            <a:extLst>
+              <a:ext uri="{28A0092B-C50C-407E-A947-70E740481C1C}">
+                <a14:useLocalDpi xmlns:a14="http://schemas.microsoft.com/office/drawing/2010/main" val="0"/>
+              </a:ext>
+            </a:extLst>
+          </a:blip>
+          <a:srcRect/>
+          <a:stretch>
+            <a:fillRect/>
+          </a:stretch>
+        </p:blipFill>
+        <p:spPr bwMode="auto">
+          <a:xfrm>
+            <a:off x="2356625" y="1952914"/>
+            <a:ext cx="1638545" cy="2150217"/>
+          </a:xfrm>
+          <a:prstGeom prst="rect">
+            <a:avLst/>
+          </a:prstGeom>
+          <a:noFill/>
+          <a:extLst>
+            <a:ext uri="{909E8E84-426E-40DD-AFC4-6F175D3DCCD1}">
+              <a14:hiddenFill xmlns:a14="http://schemas.microsoft.com/office/drawing/2010/main">
+                <a:solidFill>
+                  <a:srgbClr val="FFFFFF"/>
+                </a:solidFill>
+              </a14:hiddenFill>
+            </a:ext>
+          </a:extLst>
+        </p:spPr>
+      </p:pic>
+      <p:pic>
+        <p:nvPicPr>
+          <p:cNvPr id="8" name="Picture 7" descr="Logo&#10;&#10;Description automatically generated">
+            <a:extLst>
+              <a:ext uri="{FF2B5EF4-FFF2-40B4-BE49-F238E27FC236}">
+                <a16:creationId xmlns:a16="http://schemas.microsoft.com/office/drawing/2014/main" id="{E8F536E3-053C-4DF0-9175-92381672A87E}"/>
+              </a:ext>
+            </a:extLst>
+          </p:cNvPr>
+          <p:cNvPicPr>
+            <a:picLocks noChangeAspect="1"/>
+          </p:cNvPicPr>
+          <p:nvPr/>
+        </p:nvPicPr>
+        <p:blipFill>
+          <a:blip r:embed="rId5" cstate="print">
+            <a:extLst>
+              <a:ext uri="{28A0092B-C50C-407E-A947-70E740481C1C}">
+                <a14:useLocalDpi xmlns:a14="http://schemas.microsoft.com/office/drawing/2010/main" val="0"/>
+              </a:ext>
+            </a:extLst>
+          </a:blip>
+          <a:stretch>
+            <a:fillRect/>
+          </a:stretch>
+        </p:blipFill>
+        <p:spPr>
+          <a:xfrm>
+            <a:off x="2609223" y="5660759"/>
+            <a:ext cx="1133348" cy="1168400"/>
+          </a:xfrm>
+          <a:prstGeom prst="rect">
+            <a:avLst/>
+          </a:prstGeom>
+        </p:spPr>
+      </p:pic>
+      <p:pic>
+        <p:nvPicPr>
+          <p:cNvPr id="13" name="Picture 12" descr="Logo&#10;&#10;Description automatically generated with medium confidence">
+            <a:extLst>
+              <a:ext uri="{FF2B5EF4-FFF2-40B4-BE49-F238E27FC236}">
+                <a16:creationId xmlns:a16="http://schemas.microsoft.com/office/drawing/2014/main" id="{1723B81E-00C6-4EF2-80D6-8E9A1034338C}"/>
+              </a:ext>
+            </a:extLst>
+          </p:cNvPr>
+          <p:cNvPicPr>
+            <a:picLocks noChangeAspect="1"/>
+          </p:cNvPicPr>
+          <p:nvPr/>
+        </p:nvPicPr>
+        <p:blipFill>
+          <a:blip r:embed="rId6">
+            <a:extLst>
+              <a:ext uri="{28A0092B-C50C-407E-A947-70E740481C1C}">
+                <a14:useLocalDpi xmlns:a14="http://schemas.microsoft.com/office/drawing/2010/main" val="0"/>
+              </a:ext>
+            </a:extLst>
+          </a:blip>
+          <a:stretch>
+            <a:fillRect/>
+          </a:stretch>
+        </p:blipFill>
+        <p:spPr>
+          <a:xfrm>
+            <a:off x="4494230" y="4817764"/>
+            <a:ext cx="2992882" cy="1685990"/>
+          </a:xfrm>
+          <a:prstGeom prst="rect">
+            <a:avLst/>
+          </a:prstGeom>
+        </p:spPr>
+      </p:pic>
+    </p:spTree>
+    <p:extLst>
+      <p:ext uri="{BB962C8B-B14F-4D97-AF65-F5344CB8AC3E}">
+        <p14:creationId xmlns:p14="http://schemas.microsoft.com/office/powerpoint/2010/main" val="1813960533"/>
+      </p:ext>
+    </p:extLst>
+  </p:cSld>
+  <p:clrMapOvr>
+    <a:masterClrMapping/>
+  </p:clrMapOvr>
+</p:sld>
+</file>
+
 <file path=ppt/theme/theme1.xml><?xml version="1.0" encoding="utf-8"?>
 <a:theme xmlns:a="http://schemas.openxmlformats.org/drawingml/2006/main" name="Tema de Office">
   <a:themeElements>

--- a/imagenes/Invtitation.pptx
+++ b/imagenes/Invtitation.pptx
@@ -259,7 +259,7 @@
           <a:p>
             <a:fld id="{662D30CF-6288-487A-96F5-CD6A5C538736}" type="datetimeFigureOut">
               <a:rPr lang="en-AU" smtClean="0"/>
-              <a:t>9/03/2022</a:t>
+              <a:t>15/03/2022</a:t>
             </a:fld>
             <a:endParaRPr lang="en-AU"/>
           </a:p>
@@ -429,7 +429,7 @@
           <a:p>
             <a:fld id="{662D30CF-6288-487A-96F5-CD6A5C538736}" type="datetimeFigureOut">
               <a:rPr lang="en-AU" smtClean="0"/>
-              <a:t>9/03/2022</a:t>
+              <a:t>15/03/2022</a:t>
             </a:fld>
             <a:endParaRPr lang="en-AU"/>
           </a:p>
@@ -609,7 +609,7 @@
           <a:p>
             <a:fld id="{662D30CF-6288-487A-96F5-CD6A5C538736}" type="datetimeFigureOut">
               <a:rPr lang="en-AU" smtClean="0"/>
-              <a:t>9/03/2022</a:t>
+              <a:t>15/03/2022</a:t>
             </a:fld>
             <a:endParaRPr lang="en-AU"/>
           </a:p>
@@ -779,7 +779,7 @@
           <a:p>
             <a:fld id="{662D30CF-6288-487A-96F5-CD6A5C538736}" type="datetimeFigureOut">
               <a:rPr lang="en-AU" smtClean="0"/>
-              <a:t>9/03/2022</a:t>
+              <a:t>15/03/2022</a:t>
             </a:fld>
             <a:endParaRPr lang="en-AU"/>
           </a:p>
@@ -1025,7 +1025,7 @@
           <a:p>
             <a:fld id="{662D30CF-6288-487A-96F5-CD6A5C538736}" type="datetimeFigureOut">
               <a:rPr lang="en-AU" smtClean="0"/>
-              <a:t>9/03/2022</a:t>
+              <a:t>15/03/2022</a:t>
             </a:fld>
             <a:endParaRPr lang="en-AU"/>
           </a:p>
@@ -1257,7 +1257,7 @@
           <a:p>
             <a:fld id="{662D30CF-6288-487A-96F5-CD6A5C538736}" type="datetimeFigureOut">
               <a:rPr lang="en-AU" smtClean="0"/>
-              <a:t>9/03/2022</a:t>
+              <a:t>15/03/2022</a:t>
             </a:fld>
             <a:endParaRPr lang="en-AU"/>
           </a:p>
@@ -1624,7 +1624,7 @@
           <a:p>
             <a:fld id="{662D30CF-6288-487A-96F5-CD6A5C538736}" type="datetimeFigureOut">
               <a:rPr lang="en-AU" smtClean="0"/>
-              <a:t>9/03/2022</a:t>
+              <a:t>15/03/2022</a:t>
             </a:fld>
             <a:endParaRPr lang="en-AU"/>
           </a:p>
@@ -1742,7 +1742,7 @@
           <a:p>
             <a:fld id="{662D30CF-6288-487A-96F5-CD6A5C538736}" type="datetimeFigureOut">
               <a:rPr lang="en-AU" smtClean="0"/>
-              <a:t>9/03/2022</a:t>
+              <a:t>15/03/2022</a:t>
             </a:fld>
             <a:endParaRPr lang="en-AU"/>
           </a:p>
@@ -1837,7 +1837,7 @@
           <a:p>
             <a:fld id="{662D30CF-6288-487A-96F5-CD6A5C538736}" type="datetimeFigureOut">
               <a:rPr lang="en-AU" smtClean="0"/>
-              <a:t>9/03/2022</a:t>
+              <a:t>15/03/2022</a:t>
             </a:fld>
             <a:endParaRPr lang="en-AU"/>
           </a:p>
@@ -2114,7 +2114,7 @@
           <a:p>
             <a:fld id="{662D30CF-6288-487A-96F5-CD6A5C538736}" type="datetimeFigureOut">
               <a:rPr lang="en-AU" smtClean="0"/>
-              <a:t>9/03/2022</a:t>
+              <a:t>15/03/2022</a:t>
             </a:fld>
             <a:endParaRPr lang="en-AU"/>
           </a:p>
@@ -2367,7 +2367,7 @@
           <a:p>
             <a:fld id="{662D30CF-6288-487A-96F5-CD6A5C538736}" type="datetimeFigureOut">
               <a:rPr lang="en-AU" smtClean="0"/>
-              <a:t>9/03/2022</a:t>
+              <a:t>15/03/2022</a:t>
             </a:fld>
             <a:endParaRPr lang="en-AU"/>
           </a:p>
@@ -2580,7 +2580,7 @@
           <a:p>
             <a:fld id="{662D30CF-6288-487A-96F5-CD6A5C538736}" type="datetimeFigureOut">
               <a:rPr lang="en-AU" smtClean="0"/>
-              <a:t>9/03/2022</a:t>
+              <a:t>15/03/2022</a:t>
             </a:fld>
             <a:endParaRPr lang="en-AU"/>
           </a:p>
@@ -4158,8 +4158,8 @@
         </p:blipFill>
         <p:spPr>
           <a:xfrm>
-            <a:off x="99137" y="4990199"/>
-            <a:ext cx="1341120" cy="1341120"/>
+            <a:off x="386977" y="4032968"/>
+            <a:ext cx="1052355" cy="1052355"/>
           </a:xfrm>
           <a:prstGeom prst="rect">
             <a:avLst/>
@@ -4241,7 +4241,7 @@
         </p:blipFill>
         <p:spPr>
           <a:xfrm>
-            <a:off x="2609223" y="5660759"/>
+            <a:off x="346480" y="5436107"/>
             <a:ext cx="1133348" cy="1168400"/>
           </a:xfrm>
           <a:prstGeom prst="rect">
@@ -4264,7 +4264,7 @@
           <p:nvPr/>
         </p:nvPicPr>
         <p:blipFill>
-          <a:blip r:embed="rId6">
+          <a:blip r:embed="rId6" cstate="print">
             <a:extLst>
               <a:ext uri="{28A0092B-C50C-407E-A947-70E740481C1C}">
                 <a14:useLocalDpi xmlns:a14="http://schemas.microsoft.com/office/drawing/2010/main" val="0"/>
@@ -4277,14 +4277,94 @@
         </p:blipFill>
         <p:spPr>
           <a:xfrm>
-            <a:off x="4494230" y="4817764"/>
-            <a:ext cx="2992882" cy="1685990"/>
+            <a:off x="4544165" y="3691301"/>
+            <a:ext cx="2131189" cy="1200570"/>
           </a:xfrm>
           <a:prstGeom prst="rect">
             <a:avLst/>
           </a:prstGeom>
         </p:spPr>
       </p:pic>
+      <p:pic>
+        <p:nvPicPr>
+          <p:cNvPr id="7" name="Picture 6" descr="Logo, icon&#10;&#10;Description automatically generated">
+            <a:extLst>
+              <a:ext uri="{FF2B5EF4-FFF2-40B4-BE49-F238E27FC236}">
+                <a16:creationId xmlns:a16="http://schemas.microsoft.com/office/drawing/2014/main" id="{7C135924-F155-4D98-AA29-EDB14AE610A3}"/>
+              </a:ext>
+            </a:extLst>
+          </p:cNvPr>
+          <p:cNvPicPr>
+            <a:picLocks noChangeAspect="1"/>
+          </p:cNvPicPr>
+          <p:nvPr/>
+        </p:nvPicPr>
+        <p:blipFill>
+          <a:blip r:embed="rId7" cstate="print">
+            <a:extLst>
+              <a:ext uri="{28A0092B-C50C-407E-A947-70E740481C1C}">
+                <a14:useLocalDpi xmlns:a14="http://schemas.microsoft.com/office/drawing/2010/main" val="0"/>
+              </a:ext>
+            </a:extLst>
+          </a:blip>
+          <a:stretch>
+            <a:fillRect/>
+          </a:stretch>
+        </p:blipFill>
+        <p:spPr>
+          <a:xfrm>
+            <a:off x="4604254" y="5436107"/>
+            <a:ext cx="1012272" cy="1012272"/>
+          </a:xfrm>
+          <a:prstGeom prst="rect">
+            <a:avLst/>
+          </a:prstGeom>
+        </p:spPr>
+      </p:pic>
+      <p:sp>
+        <p:nvSpPr>
+          <p:cNvPr id="9" name="TextBox 8">
+            <a:extLst>
+              <a:ext uri="{FF2B5EF4-FFF2-40B4-BE49-F238E27FC236}">
+                <a16:creationId xmlns:a16="http://schemas.microsoft.com/office/drawing/2014/main" id="{7461CAA4-5CD5-4532-9472-FD629A0C361E}"/>
+              </a:ext>
+            </a:extLst>
+          </p:cNvPr>
+          <p:cNvSpPr txBox="1"/>
+          <p:nvPr/>
+        </p:nvSpPr>
+        <p:spPr>
+          <a:xfrm>
+            <a:off x="5643417" y="5757577"/>
+            <a:ext cx="1156086" cy="369332"/>
+          </a:xfrm>
+          <a:prstGeom prst="rect">
+            <a:avLst/>
+          </a:prstGeom>
+          <a:noFill/>
+        </p:spPr>
+        <p:txBody>
+          <a:bodyPr wrap="none" rtlCol="0">
+            <a:spAutoFit/>
+          </a:bodyPr>
+          <a:lstStyle/>
+          <a:p>
+            <a:r>
+              <a:rPr lang="es-419" dirty="0">
+                <a:solidFill>
+                  <a:srgbClr val="B1B3B8"/>
+                </a:solidFill>
+              </a:rPr>
+              <a:t>Galápagos</a:t>
+            </a:r>
+            <a:endParaRPr lang="es-ES" dirty="0">
+              <a:solidFill>
+                <a:srgbClr val="B1B3B8"/>
+              </a:solidFill>
+            </a:endParaRPr>
+          </a:p>
+        </p:txBody>
+      </p:sp>
     </p:spTree>
     <p:extLst>
       <p:ext uri="{BB962C8B-B14F-4D97-AF65-F5344CB8AC3E}">

--- a/imagenes/Invtitation.pptx
+++ b/imagenes/Invtitation.pptx
@@ -11,6 +11,7 @@
     <p:sldId id="259" r:id="rId5"/>
     <p:sldId id="260" r:id="rId6"/>
     <p:sldId id="261" r:id="rId7"/>
+    <p:sldId id="262" r:id="rId8"/>
   </p:sldIdLst>
   <p:sldSz cx="12192000" cy="6858000"/>
   <p:notesSz cx="9144000" cy="6858000"/>
@@ -259,7 +260,7 @@
           <a:p>
             <a:fld id="{662D30CF-6288-487A-96F5-CD6A5C538736}" type="datetimeFigureOut">
               <a:rPr lang="en-AU" smtClean="0"/>
-              <a:t>15/03/2022</a:t>
+              <a:t>21/04/2023</a:t>
             </a:fld>
             <a:endParaRPr lang="en-AU"/>
           </a:p>
@@ -429,7 +430,7 @@
           <a:p>
             <a:fld id="{662D30CF-6288-487A-96F5-CD6A5C538736}" type="datetimeFigureOut">
               <a:rPr lang="en-AU" smtClean="0"/>
-              <a:t>15/03/2022</a:t>
+              <a:t>21/04/2023</a:t>
             </a:fld>
             <a:endParaRPr lang="en-AU"/>
           </a:p>
@@ -609,7 +610,7 @@
           <a:p>
             <a:fld id="{662D30CF-6288-487A-96F5-CD6A5C538736}" type="datetimeFigureOut">
               <a:rPr lang="en-AU" smtClean="0"/>
-              <a:t>15/03/2022</a:t>
+              <a:t>21/04/2023</a:t>
             </a:fld>
             <a:endParaRPr lang="en-AU"/>
           </a:p>
@@ -779,7 +780,7 @@
           <a:p>
             <a:fld id="{662D30CF-6288-487A-96F5-CD6A5C538736}" type="datetimeFigureOut">
               <a:rPr lang="en-AU" smtClean="0"/>
-              <a:t>15/03/2022</a:t>
+              <a:t>21/04/2023</a:t>
             </a:fld>
             <a:endParaRPr lang="en-AU"/>
           </a:p>
@@ -1025,7 +1026,7 @@
           <a:p>
             <a:fld id="{662D30CF-6288-487A-96F5-CD6A5C538736}" type="datetimeFigureOut">
               <a:rPr lang="en-AU" smtClean="0"/>
-              <a:t>15/03/2022</a:t>
+              <a:t>21/04/2023</a:t>
             </a:fld>
             <a:endParaRPr lang="en-AU"/>
           </a:p>
@@ -1257,7 +1258,7 @@
           <a:p>
             <a:fld id="{662D30CF-6288-487A-96F5-CD6A5C538736}" type="datetimeFigureOut">
               <a:rPr lang="en-AU" smtClean="0"/>
-              <a:t>15/03/2022</a:t>
+              <a:t>21/04/2023</a:t>
             </a:fld>
             <a:endParaRPr lang="en-AU"/>
           </a:p>
@@ -1624,7 +1625,7 @@
           <a:p>
             <a:fld id="{662D30CF-6288-487A-96F5-CD6A5C538736}" type="datetimeFigureOut">
               <a:rPr lang="en-AU" smtClean="0"/>
-              <a:t>15/03/2022</a:t>
+              <a:t>21/04/2023</a:t>
             </a:fld>
             <a:endParaRPr lang="en-AU"/>
           </a:p>
@@ -1742,7 +1743,7 @@
           <a:p>
             <a:fld id="{662D30CF-6288-487A-96F5-CD6A5C538736}" type="datetimeFigureOut">
               <a:rPr lang="en-AU" smtClean="0"/>
-              <a:t>15/03/2022</a:t>
+              <a:t>21/04/2023</a:t>
             </a:fld>
             <a:endParaRPr lang="en-AU"/>
           </a:p>
@@ -1837,7 +1838,7 @@
           <a:p>
             <a:fld id="{662D30CF-6288-487A-96F5-CD6A5C538736}" type="datetimeFigureOut">
               <a:rPr lang="en-AU" smtClean="0"/>
-              <a:t>15/03/2022</a:t>
+              <a:t>21/04/2023</a:t>
             </a:fld>
             <a:endParaRPr lang="en-AU"/>
           </a:p>
@@ -2114,7 +2115,7 @@
           <a:p>
             <a:fld id="{662D30CF-6288-487A-96F5-CD6A5C538736}" type="datetimeFigureOut">
               <a:rPr lang="en-AU" smtClean="0"/>
-              <a:t>15/03/2022</a:t>
+              <a:t>21/04/2023</a:t>
             </a:fld>
             <a:endParaRPr lang="en-AU"/>
           </a:p>
@@ -2367,7 +2368,7 @@
           <a:p>
             <a:fld id="{662D30CF-6288-487A-96F5-CD6A5C538736}" type="datetimeFigureOut">
               <a:rPr lang="en-AU" smtClean="0"/>
-              <a:t>15/03/2022</a:t>
+              <a:t>21/04/2023</a:t>
             </a:fld>
             <a:endParaRPr lang="en-AU"/>
           </a:p>
@@ -2580,7 +2581,7 @@
           <a:p>
             <a:fld id="{662D30CF-6288-487A-96F5-CD6A5C538736}" type="datetimeFigureOut">
               <a:rPr lang="en-AU" smtClean="0"/>
-              <a:t>15/03/2022</a:t>
+              <a:t>21/04/2023</a:t>
             </a:fld>
             <a:endParaRPr lang="en-AU"/>
           </a:p>
@@ -4378,6 +4379,209 @@
 </p:sld>
 </file>
 
+<file path=ppt/slides/slide7.xml><?xml version="1.0" encoding="utf-8"?>
+<p:sld xmlns:a="http://schemas.openxmlformats.org/drawingml/2006/main" xmlns:r="http://schemas.openxmlformats.org/officeDocument/2006/relationships" xmlns:p="http://schemas.openxmlformats.org/presentationml/2006/main">
+  <p:cSld>
+    <p:bg>
+      <p:bgPr>
+        <a:solidFill>
+          <a:srgbClr val="F1ECE3"/>
+        </a:solidFill>
+        <a:effectLst/>
+      </p:bgPr>
+    </p:bg>
+    <p:spTree>
+      <p:nvGrpSpPr>
+        <p:cNvPr id="1" name=""/>
+        <p:cNvGrpSpPr/>
+        <p:nvPr/>
+      </p:nvGrpSpPr>
+      <p:grpSpPr>
+        <a:xfrm>
+          <a:off x="0" y="0"/>
+          <a:ext cx="0" cy="0"/>
+          <a:chOff x="0" y="0"/>
+          <a:chExt cx="0" cy="0"/>
+        </a:xfrm>
+      </p:grpSpPr>
+      <p:pic>
+        <p:nvPicPr>
+          <p:cNvPr id="3" name="Picture 2" descr="A picture containing diagram&#10;&#10;Description automatically generated">
+            <a:extLst>
+              <a:ext uri="{FF2B5EF4-FFF2-40B4-BE49-F238E27FC236}">
+                <a16:creationId xmlns:a16="http://schemas.microsoft.com/office/drawing/2014/main" id="{7A9C9DEF-5F7B-4794-BD3D-98B3B6A76C82}"/>
+              </a:ext>
+            </a:extLst>
+          </p:cNvPr>
+          <p:cNvPicPr>
+            <a:picLocks noChangeAspect="1"/>
+          </p:cNvPicPr>
+          <p:nvPr/>
+        </p:nvPicPr>
+        <p:blipFill rotWithShape="1">
+          <a:blip r:embed="rId2" cstate="print">
+            <a:extLst>
+              <a:ext uri="{28A0092B-C50C-407E-A947-70E740481C1C}">
+                <a14:useLocalDpi xmlns:a14="http://schemas.microsoft.com/office/drawing/2010/main" val="0"/>
+              </a:ext>
+            </a:extLst>
+          </a:blip>
+          <a:srcRect b="7851"/>
+          <a:stretch/>
+        </p:blipFill>
+        <p:spPr>
+          <a:xfrm>
+            <a:off x="0" y="0"/>
+            <a:ext cx="5429820" cy="6319520"/>
+          </a:xfrm>
+          <a:prstGeom prst="rect">
+            <a:avLst/>
+          </a:prstGeom>
+        </p:spPr>
+      </p:pic>
+      <p:sp>
+        <p:nvSpPr>
+          <p:cNvPr id="2" name="TextBox 1">
+            <a:extLst>
+              <a:ext uri="{FF2B5EF4-FFF2-40B4-BE49-F238E27FC236}">
+                <a16:creationId xmlns:a16="http://schemas.microsoft.com/office/drawing/2014/main" id="{4DE400AE-E2D7-4779-B399-B15CC92808F5}"/>
+              </a:ext>
+            </a:extLst>
+          </p:cNvPr>
+          <p:cNvSpPr txBox="1"/>
+          <p:nvPr/>
+        </p:nvSpPr>
+        <p:spPr>
+          <a:xfrm>
+            <a:off x="1309831" y="6339840"/>
+            <a:ext cx="2268698" cy="369332"/>
+          </a:xfrm>
+          <a:prstGeom prst="rect">
+            <a:avLst/>
+          </a:prstGeom>
+          <a:noFill/>
+        </p:spPr>
+        <p:txBody>
+          <a:bodyPr wrap="none" rtlCol="0">
+            <a:spAutoFit/>
+          </a:bodyPr>
+          <a:lstStyle/>
+          <a:p>
+            <a:r>
+              <a:rPr lang="es-419" dirty="0"/>
+              <a:t>Para más información </a:t>
+            </a:r>
+            <a:endParaRPr lang="es-ES" dirty="0"/>
+          </a:p>
+        </p:txBody>
+      </p:sp>
+      <p:pic>
+        <p:nvPicPr>
+          <p:cNvPr id="4" name="Picture 2" descr="Flecha Negra Clic PNG transparente - StickPNG">
+            <a:extLst>
+              <a:ext uri="{FF2B5EF4-FFF2-40B4-BE49-F238E27FC236}">
+                <a16:creationId xmlns:a16="http://schemas.microsoft.com/office/drawing/2014/main" id="{022D0BBC-EE3C-4B5D-B274-EB8C710850E3}"/>
+              </a:ext>
+            </a:extLst>
+          </p:cNvPr>
+          <p:cNvPicPr>
+            <a:picLocks noChangeAspect="1" noChangeArrowheads="1"/>
+          </p:cNvPicPr>
+          <p:nvPr/>
+        </p:nvPicPr>
+        <p:blipFill>
+          <a:blip r:embed="rId3" cstate="print">
+            <a:extLst>
+              <a:ext uri="{28A0092B-C50C-407E-A947-70E740481C1C}">
+                <a14:useLocalDpi xmlns:a14="http://schemas.microsoft.com/office/drawing/2010/main" val="0"/>
+              </a:ext>
+            </a:extLst>
+          </a:blip>
+          <a:srcRect/>
+          <a:stretch>
+            <a:fillRect/>
+          </a:stretch>
+        </p:blipFill>
+        <p:spPr bwMode="auto">
+          <a:xfrm>
+            <a:off x="3578529" y="6312932"/>
+            <a:ext cx="513080" cy="513080"/>
+          </a:xfrm>
+          <a:prstGeom prst="rect">
+            <a:avLst/>
+          </a:prstGeom>
+          <a:noFill/>
+          <a:extLst>
+            <a:ext uri="{909E8E84-426E-40DD-AFC4-6F175D3DCCD1}">
+              <a14:hiddenFill xmlns:a14="http://schemas.microsoft.com/office/drawing/2010/main">
+                <a:solidFill>
+                  <a:srgbClr val="FFFFFF"/>
+                </a:solidFill>
+              </a14:hiddenFill>
+            </a:ext>
+          </a:extLst>
+        </p:spPr>
+      </p:pic>
+      <p:pic>
+        <p:nvPicPr>
+          <p:cNvPr id="6" name="Picture 2" descr="Buy from Amazon">
+            <a:extLst>
+              <a:ext uri="{FF2B5EF4-FFF2-40B4-BE49-F238E27FC236}">
+                <a16:creationId xmlns:a16="http://schemas.microsoft.com/office/drawing/2014/main" id="{B55CE959-EFDC-DD82-87E4-0E9AA07725F0}"/>
+              </a:ext>
+            </a:extLst>
+          </p:cNvPr>
+          <p:cNvPicPr>
+            <a:picLocks noChangeAspect="1" noChangeArrowheads="1"/>
+          </p:cNvPicPr>
+          <p:nvPr/>
+        </p:nvPicPr>
+        <p:blipFill>
+          <a:blip r:embed="rId4" cstate="print">
+            <a:extLst>
+              <a:ext uri="{28A0092B-C50C-407E-A947-70E740481C1C}">
+                <a14:useLocalDpi xmlns:a14="http://schemas.microsoft.com/office/drawing/2010/main" val="0"/>
+              </a:ext>
+            </a:extLst>
+          </a:blip>
+          <a:srcRect/>
+          <a:stretch>
+            <a:fillRect/>
+          </a:stretch>
+        </p:blipFill>
+        <p:spPr bwMode="auto">
+          <a:xfrm>
+            <a:off x="1581294" y="2222017"/>
+            <a:ext cx="1914382" cy="2493895"/>
+          </a:xfrm>
+          <a:prstGeom prst="rect">
+            <a:avLst/>
+          </a:prstGeom>
+          <a:noFill/>
+          <a:extLst>
+            <a:ext uri="{909E8E84-426E-40DD-AFC4-6F175D3DCCD1}">
+              <a14:hiddenFill xmlns:a14="http://schemas.microsoft.com/office/drawing/2010/main">
+                <a:solidFill>
+                  <a:srgbClr val="FFFFFF"/>
+                </a:solidFill>
+              </a14:hiddenFill>
+            </a:ext>
+          </a:extLst>
+        </p:spPr>
+      </p:pic>
+    </p:spTree>
+    <p:extLst>
+      <p:ext uri="{BB962C8B-B14F-4D97-AF65-F5344CB8AC3E}">
+        <p14:creationId xmlns:p14="http://schemas.microsoft.com/office/powerpoint/2010/main" val="1832764893"/>
+      </p:ext>
+    </p:extLst>
+  </p:cSld>
+  <p:clrMapOvr>
+    <a:masterClrMapping/>
+  </p:clrMapOvr>
+</p:sld>
+</file>
+
 <file path=ppt/theme/theme1.xml><?xml version="1.0" encoding="utf-8"?>
 <a:theme xmlns:a="http://schemas.openxmlformats.org/drawingml/2006/main" name="Tema de Office">
   <a:themeElements>

--- a/imagenes/Invtitation.pptx
+++ b/imagenes/Invtitation.pptx
@@ -260,7 +260,7 @@
           <a:p>
             <a:fld id="{662D30CF-6288-487A-96F5-CD6A5C538736}" type="datetimeFigureOut">
               <a:rPr lang="en-AU" smtClean="0"/>
-              <a:t>21/04/2023</a:t>
+              <a:t>26/4/2023</a:t>
             </a:fld>
             <a:endParaRPr lang="en-AU"/>
           </a:p>
@@ -302,7 +302,7 @@
           <a:p>
             <a:fld id="{1BD05863-538A-4B89-9DAC-B5F32471F2B0}" type="slidenum">
               <a:rPr lang="en-AU" smtClean="0"/>
-              <a:t>‹#›</a:t>
+              <a:t>‹Nº›</a:t>
             </a:fld>
             <a:endParaRPr lang="en-AU"/>
           </a:p>
@@ -430,7 +430,7 @@
           <a:p>
             <a:fld id="{662D30CF-6288-487A-96F5-CD6A5C538736}" type="datetimeFigureOut">
               <a:rPr lang="en-AU" smtClean="0"/>
-              <a:t>21/04/2023</a:t>
+              <a:t>26/4/2023</a:t>
             </a:fld>
             <a:endParaRPr lang="en-AU"/>
           </a:p>
@@ -472,7 +472,7 @@
           <a:p>
             <a:fld id="{1BD05863-538A-4B89-9DAC-B5F32471F2B0}" type="slidenum">
               <a:rPr lang="en-AU" smtClean="0"/>
-              <a:t>‹#›</a:t>
+              <a:t>‹Nº›</a:t>
             </a:fld>
             <a:endParaRPr lang="en-AU"/>
           </a:p>
@@ -610,7 +610,7 @@
           <a:p>
             <a:fld id="{662D30CF-6288-487A-96F5-CD6A5C538736}" type="datetimeFigureOut">
               <a:rPr lang="en-AU" smtClean="0"/>
-              <a:t>21/04/2023</a:t>
+              <a:t>26/4/2023</a:t>
             </a:fld>
             <a:endParaRPr lang="en-AU"/>
           </a:p>
@@ -652,7 +652,7 @@
           <a:p>
             <a:fld id="{1BD05863-538A-4B89-9DAC-B5F32471F2B0}" type="slidenum">
               <a:rPr lang="en-AU" smtClean="0"/>
-              <a:t>‹#›</a:t>
+              <a:t>‹Nº›</a:t>
             </a:fld>
             <a:endParaRPr lang="en-AU"/>
           </a:p>
@@ -780,7 +780,7 @@
           <a:p>
             <a:fld id="{662D30CF-6288-487A-96F5-CD6A5C538736}" type="datetimeFigureOut">
               <a:rPr lang="en-AU" smtClean="0"/>
-              <a:t>21/04/2023</a:t>
+              <a:t>26/4/2023</a:t>
             </a:fld>
             <a:endParaRPr lang="en-AU"/>
           </a:p>
@@ -822,7 +822,7 @@
           <a:p>
             <a:fld id="{1BD05863-538A-4B89-9DAC-B5F32471F2B0}" type="slidenum">
               <a:rPr lang="en-AU" smtClean="0"/>
-              <a:t>‹#›</a:t>
+              <a:t>‹Nº›</a:t>
             </a:fld>
             <a:endParaRPr lang="en-AU"/>
           </a:p>
@@ -1026,7 +1026,7 @@
           <a:p>
             <a:fld id="{662D30CF-6288-487A-96F5-CD6A5C538736}" type="datetimeFigureOut">
               <a:rPr lang="en-AU" smtClean="0"/>
-              <a:t>21/04/2023</a:t>
+              <a:t>26/4/2023</a:t>
             </a:fld>
             <a:endParaRPr lang="en-AU"/>
           </a:p>
@@ -1068,7 +1068,7 @@
           <a:p>
             <a:fld id="{1BD05863-538A-4B89-9DAC-B5F32471F2B0}" type="slidenum">
               <a:rPr lang="en-AU" smtClean="0"/>
-              <a:t>‹#›</a:t>
+              <a:t>‹Nº›</a:t>
             </a:fld>
             <a:endParaRPr lang="en-AU"/>
           </a:p>
@@ -1258,7 +1258,7 @@
           <a:p>
             <a:fld id="{662D30CF-6288-487A-96F5-CD6A5C538736}" type="datetimeFigureOut">
               <a:rPr lang="en-AU" smtClean="0"/>
-              <a:t>21/04/2023</a:t>
+              <a:t>26/4/2023</a:t>
             </a:fld>
             <a:endParaRPr lang="en-AU"/>
           </a:p>
@@ -1300,7 +1300,7 @@
           <a:p>
             <a:fld id="{1BD05863-538A-4B89-9DAC-B5F32471F2B0}" type="slidenum">
               <a:rPr lang="en-AU" smtClean="0"/>
-              <a:t>‹#›</a:t>
+              <a:t>‹Nº›</a:t>
             </a:fld>
             <a:endParaRPr lang="en-AU"/>
           </a:p>
@@ -1625,7 +1625,7 @@
           <a:p>
             <a:fld id="{662D30CF-6288-487A-96F5-CD6A5C538736}" type="datetimeFigureOut">
               <a:rPr lang="en-AU" smtClean="0"/>
-              <a:t>21/04/2023</a:t>
+              <a:t>26/4/2023</a:t>
             </a:fld>
             <a:endParaRPr lang="en-AU"/>
           </a:p>
@@ -1667,7 +1667,7 @@
           <a:p>
             <a:fld id="{1BD05863-538A-4B89-9DAC-B5F32471F2B0}" type="slidenum">
               <a:rPr lang="en-AU" smtClean="0"/>
-              <a:t>‹#›</a:t>
+              <a:t>‹Nº›</a:t>
             </a:fld>
             <a:endParaRPr lang="en-AU"/>
           </a:p>
@@ -1743,7 +1743,7 @@
           <a:p>
             <a:fld id="{662D30CF-6288-487A-96F5-CD6A5C538736}" type="datetimeFigureOut">
               <a:rPr lang="en-AU" smtClean="0"/>
-              <a:t>21/04/2023</a:t>
+              <a:t>26/4/2023</a:t>
             </a:fld>
             <a:endParaRPr lang="en-AU"/>
           </a:p>
@@ -1785,7 +1785,7 @@
           <a:p>
             <a:fld id="{1BD05863-538A-4B89-9DAC-B5F32471F2B0}" type="slidenum">
               <a:rPr lang="en-AU" smtClean="0"/>
-              <a:t>‹#›</a:t>
+              <a:t>‹Nº›</a:t>
             </a:fld>
             <a:endParaRPr lang="en-AU"/>
           </a:p>
@@ -1838,7 +1838,7 @@
           <a:p>
             <a:fld id="{662D30CF-6288-487A-96F5-CD6A5C538736}" type="datetimeFigureOut">
               <a:rPr lang="en-AU" smtClean="0"/>
-              <a:t>21/04/2023</a:t>
+              <a:t>26/4/2023</a:t>
             </a:fld>
             <a:endParaRPr lang="en-AU"/>
           </a:p>
@@ -1880,7 +1880,7 @@
           <a:p>
             <a:fld id="{1BD05863-538A-4B89-9DAC-B5F32471F2B0}" type="slidenum">
               <a:rPr lang="en-AU" smtClean="0"/>
-              <a:t>‹#›</a:t>
+              <a:t>‹Nº›</a:t>
             </a:fld>
             <a:endParaRPr lang="en-AU"/>
           </a:p>
@@ -2115,7 +2115,7 @@
           <a:p>
             <a:fld id="{662D30CF-6288-487A-96F5-CD6A5C538736}" type="datetimeFigureOut">
               <a:rPr lang="en-AU" smtClean="0"/>
-              <a:t>21/04/2023</a:t>
+              <a:t>26/4/2023</a:t>
             </a:fld>
             <a:endParaRPr lang="en-AU"/>
           </a:p>
@@ -2157,7 +2157,7 @@
           <a:p>
             <a:fld id="{1BD05863-538A-4B89-9DAC-B5F32471F2B0}" type="slidenum">
               <a:rPr lang="en-AU" smtClean="0"/>
-              <a:t>‹#›</a:t>
+              <a:t>‹Nº›</a:t>
             </a:fld>
             <a:endParaRPr lang="en-AU"/>
           </a:p>
@@ -2368,7 +2368,7 @@
           <a:p>
             <a:fld id="{662D30CF-6288-487A-96F5-CD6A5C538736}" type="datetimeFigureOut">
               <a:rPr lang="en-AU" smtClean="0"/>
-              <a:t>21/04/2023</a:t>
+              <a:t>26/4/2023</a:t>
             </a:fld>
             <a:endParaRPr lang="en-AU"/>
           </a:p>
@@ -2410,7 +2410,7 @@
           <a:p>
             <a:fld id="{1BD05863-538A-4B89-9DAC-B5F32471F2B0}" type="slidenum">
               <a:rPr lang="en-AU" smtClean="0"/>
-              <a:t>‹#›</a:t>
+              <a:t>‹Nº›</a:t>
             </a:fld>
             <a:endParaRPr lang="en-AU"/>
           </a:p>
@@ -2581,7 +2581,7 @@
           <a:p>
             <a:fld id="{662D30CF-6288-487A-96F5-CD6A5C538736}" type="datetimeFigureOut">
               <a:rPr lang="en-AU" smtClean="0"/>
-              <a:t>21/04/2023</a:t>
+              <a:t>26/4/2023</a:t>
             </a:fld>
             <a:endParaRPr lang="en-AU"/>
           </a:p>
@@ -2659,7 +2659,7 @@
           <a:p>
             <a:fld id="{1BD05863-538A-4B89-9DAC-B5F32471F2B0}" type="slidenum">
               <a:rPr lang="en-AU" smtClean="0"/>
-              <a:t>‹#›</a:t>
+              <a:t>‹Nº›</a:t>
             </a:fld>
             <a:endParaRPr lang="en-AU"/>
           </a:p>
